--- a/Documentation/Space Adventure Game.pptx
+++ b/Documentation/Space Adventure Game.pptx
@@ -3007,6 +3007,10 @@
           <a:bodyPr/>
           <a:lstStyle/>
           <a:p>
+            <a:r>
+              <a:rPr lang="en-GB" smtClean="0"/>
+              <a:t>JOGY</a:t>
+            </a:r>
             <a:endParaRPr lang="en-GB"/>
           </a:p>
         </p:txBody>

--- a/Documentation/Space Adventure Game.pptx
+++ b/Documentation/Space Adventure Game.pptx
@@ -10,7 +10,9 @@
     <p:sldId id="260" r:id="rId4"/>
     <p:sldId id="258" r:id="rId5"/>
     <p:sldId id="259" r:id="rId6"/>
-    <p:sldId id="261" r:id="rId7"/>
+    <p:sldId id="262" r:id="rId7"/>
+    <p:sldId id="263" r:id="rId8"/>
+    <p:sldId id="261" r:id="rId9"/>
   </p:sldIdLst>
   <p:sldSz cx="12192000" cy="6858000"/>
   <p:notesSz cx="6858000" cy="9144000"/>
@@ -2986,7 +2988,7 @@
           <a:p>
             <a:r>
               <a:rPr lang="en-GB" dirty="0" smtClean="0"/>
-              <a:t>Space Adventure Game</a:t>
+              <a:t>Space Fantasy</a:t>
             </a:r>
             <a:endParaRPr lang="en-GB" dirty="0"/>
           </a:p>
@@ -3008,10 +3010,78 @@
           <a:lstStyle/>
           <a:p>
             <a:r>
-              <a:rPr lang="en-GB" smtClean="0"/>
+              <a:rPr lang="en-GB" dirty="0" smtClean="0"/>
               <a:t>JOGY</a:t>
             </a:r>
-            <a:endParaRPr lang="en-GB"/>
+            <a:endParaRPr lang="en-GB" dirty="0"/>
+          </a:p>
+        </p:txBody>
+      </p:sp>
+      <p:pic>
+        <p:nvPicPr>
+          <p:cNvPr id="4" name="Picture 3"/>
+          <p:cNvPicPr>
+            <a:picLocks noChangeAspect="1"/>
+          </p:cNvPicPr>
+          <p:nvPr/>
+        </p:nvPicPr>
+        <p:blipFill>
+          <a:blip r:embed="rId2" cstate="print">
+            <a:extLst>
+              <a:ext uri="{28A0092B-C50C-407E-A947-70E740481C1C}">
+                <a14:useLocalDpi xmlns:a14="http://schemas.microsoft.com/office/drawing/2010/main" val="0"/>
+              </a:ext>
+            </a:extLst>
+          </a:blip>
+          <a:stretch>
+            <a:fillRect/>
+          </a:stretch>
+        </p:blipFill>
+        <p:spPr>
+          <a:xfrm>
+            <a:off x="-112295" y="-63166"/>
+            <a:ext cx="12304296" cy="6921165"/>
+          </a:xfrm>
+          <a:prstGeom prst="rect">
+            <a:avLst/>
+          </a:prstGeom>
+        </p:spPr>
+      </p:pic>
+      <p:sp>
+        <p:nvSpPr>
+          <p:cNvPr id="5" name="TextBox 4"/>
+          <p:cNvSpPr txBox="1"/>
+          <p:nvPr/>
+        </p:nvSpPr>
+        <p:spPr>
+          <a:xfrm>
+            <a:off x="5049444" y="4510826"/>
+            <a:ext cx="1980817" cy="369332"/>
+          </a:xfrm>
+          <a:prstGeom prst="rect">
+            <a:avLst/>
+          </a:prstGeom>
+          <a:noFill/>
+        </p:spPr>
+        <p:txBody>
+          <a:bodyPr wrap="square" rtlCol="0">
+            <a:spAutoFit/>
+          </a:bodyPr>
+          <a:lstStyle/>
+          <a:p>
+            <a:r>
+              <a:rPr lang="en-GB" b="1" dirty="0" smtClean="0">
+                <a:solidFill>
+                  <a:schemeClr val="bg1"/>
+                </a:solidFill>
+              </a:rPr>
+              <a:t>JOGY STUDIOS Ltd. </a:t>
+            </a:r>
+            <a:endParaRPr lang="en-GB" b="1" dirty="0">
+              <a:solidFill>
+                <a:schemeClr val="bg1"/>
+              </a:solidFill>
+            </a:endParaRPr>
           </a:p>
         </p:txBody>
       </p:sp>
@@ -3317,6 +3387,150 @@
 </file>
 
 <file path=ppt/slides/slide6.xml><?xml version="1.0" encoding="utf-8"?>
+<p:sld xmlns:a="http://schemas.openxmlformats.org/drawingml/2006/main" xmlns:r="http://schemas.openxmlformats.org/officeDocument/2006/relationships" xmlns:p="http://schemas.openxmlformats.org/presentationml/2006/main">
+  <p:cSld>
+    <p:spTree>
+      <p:nvGrpSpPr>
+        <p:cNvPr id="1" name=""/>
+        <p:cNvGrpSpPr/>
+        <p:nvPr/>
+      </p:nvGrpSpPr>
+      <p:grpSpPr>
+        <a:xfrm>
+          <a:off x="0" y="0"/>
+          <a:ext cx="0" cy="0"/>
+          <a:chOff x="0" y="0"/>
+          <a:chExt cx="0" cy="0"/>
+        </a:xfrm>
+      </p:grpSpPr>
+      <p:sp>
+        <p:nvSpPr>
+          <p:cNvPr id="2" name="Title 1"/>
+          <p:cNvSpPr>
+            <a:spLocks noGrp="1"/>
+          </p:cNvSpPr>
+          <p:nvPr>
+            <p:ph type="title"/>
+          </p:nvPr>
+        </p:nvSpPr>
+        <p:spPr/>
+        <p:txBody>
+          <a:bodyPr/>
+          <a:lstStyle/>
+          <a:p>
+            <a:r>
+              <a:rPr lang="en-GB" dirty="0" smtClean="0"/>
+              <a:t>UI Design Java</a:t>
+            </a:r>
+            <a:endParaRPr lang="en-GB" dirty="0"/>
+          </a:p>
+        </p:txBody>
+      </p:sp>
+      <p:sp>
+        <p:nvSpPr>
+          <p:cNvPr id="3" name="Content Placeholder 2"/>
+          <p:cNvSpPr>
+            <a:spLocks noGrp="1"/>
+          </p:cNvSpPr>
+          <p:nvPr>
+            <p:ph idx="1"/>
+          </p:nvPr>
+        </p:nvSpPr>
+        <p:spPr/>
+        <p:txBody>
+          <a:bodyPr/>
+          <a:lstStyle/>
+          <a:p>
+            <a:endParaRPr lang="en-GB"/>
+          </a:p>
+        </p:txBody>
+      </p:sp>
+    </p:spTree>
+    <p:extLst>
+      <p:ext uri="{BB962C8B-B14F-4D97-AF65-F5344CB8AC3E}">
+        <p14:creationId xmlns:p14="http://schemas.microsoft.com/office/powerpoint/2010/main" val="4007875663"/>
+      </p:ext>
+    </p:extLst>
+  </p:cSld>
+  <p:clrMapOvr>
+    <a:masterClrMapping/>
+  </p:clrMapOvr>
+</p:sld>
+</file>
+
+<file path=ppt/slides/slide7.xml><?xml version="1.0" encoding="utf-8"?>
+<p:sld xmlns:a="http://schemas.openxmlformats.org/drawingml/2006/main" xmlns:r="http://schemas.openxmlformats.org/officeDocument/2006/relationships" xmlns:p="http://schemas.openxmlformats.org/presentationml/2006/main">
+  <p:cSld>
+    <p:spTree>
+      <p:nvGrpSpPr>
+        <p:cNvPr id="1" name=""/>
+        <p:cNvGrpSpPr/>
+        <p:nvPr/>
+      </p:nvGrpSpPr>
+      <p:grpSpPr>
+        <a:xfrm>
+          <a:off x="0" y="0"/>
+          <a:ext cx="0" cy="0"/>
+          <a:chOff x="0" y="0"/>
+          <a:chExt cx="0" cy="0"/>
+        </a:xfrm>
+      </p:grpSpPr>
+      <p:sp>
+        <p:nvSpPr>
+          <p:cNvPr id="2" name="Title 1"/>
+          <p:cNvSpPr>
+            <a:spLocks noGrp="1"/>
+          </p:cNvSpPr>
+          <p:nvPr>
+            <p:ph type="title"/>
+          </p:nvPr>
+        </p:nvSpPr>
+        <p:spPr/>
+        <p:txBody>
+          <a:bodyPr/>
+          <a:lstStyle/>
+          <a:p>
+            <a:r>
+              <a:rPr lang="en-GB" dirty="0" smtClean="0"/>
+              <a:t>UI Design Photoshop</a:t>
+            </a:r>
+            <a:endParaRPr lang="en-GB" dirty="0"/>
+          </a:p>
+        </p:txBody>
+      </p:sp>
+      <p:sp>
+        <p:nvSpPr>
+          <p:cNvPr id="3" name="Content Placeholder 2"/>
+          <p:cNvSpPr>
+            <a:spLocks noGrp="1"/>
+          </p:cNvSpPr>
+          <p:nvPr>
+            <p:ph idx="1"/>
+          </p:nvPr>
+        </p:nvSpPr>
+        <p:spPr/>
+        <p:txBody>
+          <a:bodyPr/>
+          <a:lstStyle/>
+          <a:p>
+            <a:endParaRPr lang="en-GB"/>
+          </a:p>
+        </p:txBody>
+      </p:sp>
+    </p:spTree>
+    <p:extLst>
+      <p:ext uri="{BB962C8B-B14F-4D97-AF65-F5344CB8AC3E}">
+        <p14:creationId xmlns:p14="http://schemas.microsoft.com/office/powerpoint/2010/main" val="2748390128"/>
+      </p:ext>
+    </p:extLst>
+  </p:cSld>
+  <p:clrMapOvr>
+    <a:masterClrMapping/>
+  </p:clrMapOvr>
+</p:sld>
+</file>
+
+<file path=ppt/slides/slide8.xml><?xml version="1.0" encoding="utf-8"?>
 <p:sld xmlns:a="http://schemas.openxmlformats.org/drawingml/2006/main" xmlns:r="http://schemas.openxmlformats.org/officeDocument/2006/relationships" xmlns:p="http://schemas.openxmlformats.org/presentationml/2006/main">
   <p:cSld>
     <p:spTree>

--- a/Documentation/Space Adventure Game.pptx
+++ b/Documentation/Space Adventure Game.pptx
@@ -10,8 +10,8 @@
     <p:sldId id="260" r:id="rId4"/>
     <p:sldId id="258" r:id="rId5"/>
     <p:sldId id="259" r:id="rId6"/>
-    <p:sldId id="262" r:id="rId7"/>
-    <p:sldId id="263" r:id="rId8"/>
+    <p:sldId id="263" r:id="rId7"/>
+    <p:sldId id="262" r:id="rId8"/>
     <p:sldId id="261" r:id="rId9"/>
   </p:sldIdLst>
   <p:sldSz cx="12192000" cy="6858000"/>
@@ -111,6 +111,11 @@
       </a:defRPr>
     </a:lvl9pPr>
   </p:defaultTextStyle>
+  <p:extLst>
+    <p:ext uri="{EFAFB233-063F-42B5-8137-9DF3F51BA10A}">
+      <p15:sldGuideLst xmlns:p15="http://schemas.microsoft.com/office/powerpoint/2012/main"/>
+    </p:ext>
+  </p:extLst>
 </p:presentation>
 </file>
 
@@ -245,7 +250,7 @@
           <a:p>
             <a:fld id="{78D497F2-977E-4224-9016-B70FCE081517}" type="datetimeFigureOut">
               <a:rPr lang="en-GB" smtClean="0"/>
-              <a:t>10/12/2019</a:t>
+              <a:t>11/12/2019</a:t>
             </a:fld>
             <a:endParaRPr lang="en-GB"/>
           </a:p>
@@ -415,7 +420,7 @@
           <a:p>
             <a:fld id="{78D497F2-977E-4224-9016-B70FCE081517}" type="datetimeFigureOut">
               <a:rPr lang="en-GB" smtClean="0"/>
-              <a:t>10/12/2019</a:t>
+              <a:t>11/12/2019</a:t>
             </a:fld>
             <a:endParaRPr lang="en-GB"/>
           </a:p>
@@ -595,7 +600,7 @@
           <a:p>
             <a:fld id="{78D497F2-977E-4224-9016-B70FCE081517}" type="datetimeFigureOut">
               <a:rPr lang="en-GB" smtClean="0"/>
-              <a:t>10/12/2019</a:t>
+              <a:t>11/12/2019</a:t>
             </a:fld>
             <a:endParaRPr lang="en-GB"/>
           </a:p>
@@ -765,7 +770,7 @@
           <a:p>
             <a:fld id="{78D497F2-977E-4224-9016-B70FCE081517}" type="datetimeFigureOut">
               <a:rPr lang="en-GB" smtClean="0"/>
-              <a:t>10/12/2019</a:t>
+              <a:t>11/12/2019</a:t>
             </a:fld>
             <a:endParaRPr lang="en-GB"/>
           </a:p>
@@ -1011,7 +1016,7 @@
           <a:p>
             <a:fld id="{78D497F2-977E-4224-9016-B70FCE081517}" type="datetimeFigureOut">
               <a:rPr lang="en-GB" smtClean="0"/>
-              <a:t>10/12/2019</a:t>
+              <a:t>11/12/2019</a:t>
             </a:fld>
             <a:endParaRPr lang="en-GB"/>
           </a:p>
@@ -1243,7 +1248,7 @@
           <a:p>
             <a:fld id="{78D497F2-977E-4224-9016-B70FCE081517}" type="datetimeFigureOut">
               <a:rPr lang="en-GB" smtClean="0"/>
-              <a:t>10/12/2019</a:t>
+              <a:t>11/12/2019</a:t>
             </a:fld>
             <a:endParaRPr lang="en-GB"/>
           </a:p>
@@ -1610,7 +1615,7 @@
           <a:p>
             <a:fld id="{78D497F2-977E-4224-9016-B70FCE081517}" type="datetimeFigureOut">
               <a:rPr lang="en-GB" smtClean="0"/>
-              <a:t>10/12/2019</a:t>
+              <a:t>11/12/2019</a:t>
             </a:fld>
             <a:endParaRPr lang="en-GB"/>
           </a:p>
@@ -1728,7 +1733,7 @@
           <a:p>
             <a:fld id="{78D497F2-977E-4224-9016-B70FCE081517}" type="datetimeFigureOut">
               <a:rPr lang="en-GB" smtClean="0"/>
-              <a:t>10/12/2019</a:t>
+              <a:t>11/12/2019</a:t>
             </a:fld>
             <a:endParaRPr lang="en-GB"/>
           </a:p>
@@ -1823,7 +1828,7 @@
           <a:p>
             <a:fld id="{78D497F2-977E-4224-9016-B70FCE081517}" type="datetimeFigureOut">
               <a:rPr lang="en-GB" smtClean="0"/>
-              <a:t>10/12/2019</a:t>
+              <a:t>11/12/2019</a:t>
             </a:fld>
             <a:endParaRPr lang="en-GB"/>
           </a:p>
@@ -2100,7 +2105,7 @@
           <a:p>
             <a:fld id="{78D497F2-977E-4224-9016-B70FCE081517}" type="datetimeFigureOut">
               <a:rPr lang="en-GB" smtClean="0"/>
-              <a:t>10/12/2019</a:t>
+              <a:t>11/12/2019</a:t>
             </a:fld>
             <a:endParaRPr lang="en-GB"/>
           </a:p>
@@ -2353,7 +2358,7 @@
           <a:p>
             <a:fld id="{78D497F2-977E-4224-9016-B70FCE081517}" type="datetimeFigureOut">
               <a:rPr lang="en-GB" smtClean="0"/>
-              <a:t>10/12/2019</a:t>
+              <a:t>11/12/2019</a:t>
             </a:fld>
             <a:endParaRPr lang="en-GB"/>
           </a:p>
@@ -2566,7 +2571,7 @@
           <a:p>
             <a:fld id="{78D497F2-977E-4224-9016-B70FCE081517}" type="datetimeFigureOut">
               <a:rPr lang="en-GB" smtClean="0"/>
-              <a:t>10/12/2019</a:t>
+              <a:t>11/12/2019</a:t>
             </a:fld>
             <a:endParaRPr lang="en-GB"/>
           </a:p>
@@ -3125,7 +3130,12 @@
             <p:ph type="title"/>
           </p:nvPr>
         </p:nvSpPr>
-        <p:spPr/>
+        <p:spPr>
+          <a:xfrm>
+            <a:off x="838199" y="0"/>
+            <a:ext cx="10515600" cy="1325563"/>
+          </a:xfrm>
+        </p:spPr>
         <p:txBody>
           <a:bodyPr/>
           <a:lstStyle/>
@@ -3148,12 +3158,152 @@
             <p:ph idx="1"/>
           </p:nvPr>
         </p:nvSpPr>
-        <p:spPr/>
-        <p:txBody>
-          <a:bodyPr/>
-          <a:lstStyle/>
-          <a:p>
-            <a:endParaRPr lang="en-GB"/>
+        <p:spPr>
+          <a:xfrm>
+            <a:off x="838199" y="895183"/>
+            <a:ext cx="11281611" cy="4351338"/>
+          </a:xfrm>
+        </p:spPr>
+        <p:txBody>
+          <a:bodyPr>
+            <a:noAutofit/>
+          </a:bodyPr>
+          <a:lstStyle/>
+          <a:p>
+            <a:pPr lvl="0"/>
+            <a:r>
+              <a:rPr lang="en-GB" sz="1600" dirty="0"/>
+              <a:t>Control a spaceship. </a:t>
+            </a:r>
+          </a:p>
+          <a:p>
+            <a:pPr lvl="0"/>
+            <a:r>
+              <a:rPr lang="en-GB" sz="1600" dirty="0"/>
+              <a:t>Travel between planets (Areas) to collect treasure used to level up</a:t>
+            </a:r>
+          </a:p>
+          <a:p>
+            <a:pPr lvl="1"/>
+            <a:r>
+              <a:rPr lang="en-GB" sz="1400" dirty="0"/>
+              <a:t>Different types of planets (Areas) offer different types of treasure</a:t>
+            </a:r>
+          </a:p>
+          <a:p>
+            <a:pPr lvl="0"/>
+            <a:r>
+              <a:rPr lang="en-GB" sz="1600" dirty="0"/>
+              <a:t>Defend themselves during travel between planets using ship’s weapons. Weapons damage ship’s force field according to strength, and ship is destroyed when force field is zero. </a:t>
+            </a:r>
+          </a:p>
+          <a:p>
+            <a:pPr lvl="1"/>
+            <a:r>
+              <a:rPr lang="en-GB" sz="1400" dirty="0"/>
+              <a:t>Enemy ships are handled as NPCs</a:t>
+            </a:r>
+          </a:p>
+          <a:p>
+            <a:pPr lvl="0"/>
+            <a:r>
+              <a:rPr lang="en-GB" sz="1600" dirty="0"/>
+              <a:t>Repair force fields with friendly ships.  </a:t>
+            </a:r>
+          </a:p>
+          <a:p>
+            <a:pPr lvl="0"/>
+            <a:r>
+              <a:rPr lang="en-GB" sz="1600" dirty="0"/>
+              <a:t>Use weapons to attack enemy ships in areas.</a:t>
+            </a:r>
+          </a:p>
+          <a:p>
+            <a:pPr lvl="1"/>
+            <a:r>
+              <a:rPr lang="en-GB" sz="1400" dirty="0"/>
+              <a:t>User may choose weapon types between single target and scatter weapons. </a:t>
+            </a:r>
+          </a:p>
+          <a:p>
+            <a:pPr lvl="1"/>
+            <a:r>
+              <a:rPr lang="en-GB" sz="1400" dirty="0"/>
+              <a:t>Bomb that damages everyone, including self. </a:t>
+            </a:r>
+          </a:p>
+          <a:p>
+            <a:pPr lvl="1"/>
+            <a:r>
+              <a:rPr lang="en-GB" sz="1400" dirty="0"/>
+              <a:t>Damage types:</a:t>
+            </a:r>
+          </a:p>
+          <a:p>
+            <a:pPr lvl="2"/>
+            <a:r>
+              <a:rPr lang="en-GB" sz="1200" dirty="0"/>
+              <a:t>Generic</a:t>
+            </a:r>
+          </a:p>
+          <a:p>
+            <a:pPr lvl="2"/>
+            <a:r>
+              <a:rPr lang="en-GB" sz="1200" dirty="0"/>
+              <a:t>Shield damage only (EMP)</a:t>
+            </a:r>
+          </a:p>
+          <a:p>
+            <a:pPr lvl="2"/>
+            <a:r>
+              <a:rPr lang="en-GB" sz="1200" dirty="0"/>
+              <a:t>Shield piercing to health</a:t>
+            </a:r>
+          </a:p>
+          <a:p>
+            <a:pPr lvl="2"/>
+            <a:r>
+              <a:rPr lang="en-GB" sz="1200" dirty="0"/>
+              <a:t>Subsystem remover</a:t>
+            </a:r>
+          </a:p>
+          <a:p>
+            <a:pPr lvl="2"/>
+            <a:r>
+              <a:rPr lang="en-GB" sz="1200" dirty="0"/>
+              <a:t>Cargo remover</a:t>
+            </a:r>
+          </a:p>
+          <a:p>
+            <a:pPr lvl="0"/>
+            <a:r>
+              <a:rPr lang="en-GB" sz="1600" dirty="0"/>
+              <a:t>Healing</a:t>
+            </a:r>
+          </a:p>
+          <a:p>
+            <a:pPr lvl="0"/>
+            <a:r>
+              <a:rPr lang="en-GB" sz="1600" dirty="0"/>
+              <a:t>User may find other loot in areas or on ships</a:t>
+            </a:r>
+          </a:p>
+          <a:p>
+            <a:pPr lvl="1"/>
+            <a:r>
+              <a:rPr lang="en-GB" sz="1400" dirty="0"/>
+              <a:t>Can be sold</a:t>
+            </a:r>
+          </a:p>
+          <a:p>
+            <a:pPr lvl="1"/>
+            <a:r>
+              <a:rPr lang="en-GB" sz="1400" dirty="0"/>
+              <a:t>Count for points</a:t>
+            </a:r>
+          </a:p>
+          <a:p>
+            <a:endParaRPr lang="en-GB" sz="1600" dirty="0"/>
           </a:p>
         </p:txBody>
       </p:sp>
@@ -3225,7 +3375,60 @@
           <a:bodyPr/>
           <a:lstStyle/>
           <a:p>
-            <a:endParaRPr lang="en-GB"/>
+            <a:r>
+              <a:rPr lang="en-GB" dirty="0" smtClean="0"/>
+              <a:t>Jonathan</a:t>
+            </a:r>
+          </a:p>
+          <a:p>
+            <a:pPr lvl="1"/>
+            <a:r>
+              <a:rPr lang="en-GB" dirty="0" smtClean="0"/>
+              <a:t>Object-oriented design</a:t>
+            </a:r>
+            <a:endParaRPr lang="en-GB" dirty="0" smtClean="0"/>
+          </a:p>
+          <a:p>
+            <a:r>
+              <a:rPr lang="en-GB" dirty="0" smtClean="0"/>
+              <a:t>Olav</a:t>
+            </a:r>
+          </a:p>
+          <a:p>
+            <a:pPr lvl="1"/>
+            <a:r>
+              <a:rPr lang="en-GB" dirty="0" smtClean="0"/>
+              <a:t>Group management</a:t>
+            </a:r>
+          </a:p>
+          <a:p>
+            <a:r>
+              <a:rPr lang="en-GB" dirty="0" err="1" smtClean="0"/>
+              <a:t>Gianmarco</a:t>
+            </a:r>
+            <a:endParaRPr lang="en-GB" dirty="0" smtClean="0"/>
+          </a:p>
+          <a:p>
+            <a:pPr lvl="1"/>
+            <a:r>
+              <a:rPr lang="en-GB" dirty="0" smtClean="0"/>
+              <a:t>User Interface</a:t>
+            </a:r>
+            <a:endParaRPr lang="en-GB" dirty="0" smtClean="0"/>
+          </a:p>
+          <a:p>
+            <a:r>
+              <a:rPr lang="en-GB" dirty="0" smtClean="0"/>
+              <a:t>Yang</a:t>
+            </a:r>
+          </a:p>
+          <a:p>
+            <a:pPr lvl="1"/>
+            <a:r>
+              <a:rPr lang="en-GB" smtClean="0"/>
+              <a:t>Testing</a:t>
+            </a:r>
+            <a:endParaRPr lang="en-GB" dirty="0"/>
           </a:p>
         </p:txBody>
       </p:sp>
@@ -3420,35 +3623,106 @@
           <a:p>
             <a:r>
               <a:rPr lang="en-GB" dirty="0" smtClean="0"/>
-              <a:t>UI Design Java</a:t>
+              <a:t>UI Design Photoshop</a:t>
             </a:r>
             <a:endParaRPr lang="en-GB" dirty="0"/>
           </a:p>
         </p:txBody>
       </p:sp>
-      <p:sp>
-        <p:nvSpPr>
-          <p:cNvPr id="3" name="Content Placeholder 2"/>
-          <p:cNvSpPr>
-            <a:spLocks noGrp="1"/>
-          </p:cNvSpPr>
-          <p:nvPr>
-            <p:ph idx="1"/>
-          </p:nvPr>
-        </p:nvSpPr>
-        <p:spPr/>
-        <p:txBody>
-          <a:bodyPr/>
-          <a:lstStyle/>
-          <a:p>
-            <a:endParaRPr lang="en-GB"/>
-          </a:p>
-        </p:txBody>
-      </p:sp>
+      <p:pic>
+        <p:nvPicPr>
+          <p:cNvPr id="4" name="Picture 3"/>
+          <p:cNvPicPr>
+            <a:picLocks noChangeAspect="1"/>
+          </p:cNvPicPr>
+          <p:nvPr/>
+        </p:nvPicPr>
+        <p:blipFill>
+          <a:blip r:embed="rId2" cstate="print">
+            <a:extLst>
+              <a:ext uri="{28A0092B-C50C-407E-A947-70E740481C1C}">
+                <a14:useLocalDpi xmlns:a14="http://schemas.microsoft.com/office/drawing/2010/main" val="0"/>
+              </a:ext>
+            </a:extLst>
+          </a:blip>
+          <a:stretch>
+            <a:fillRect/>
+          </a:stretch>
+        </p:blipFill>
+        <p:spPr>
+          <a:xfrm>
+            <a:off x="278329" y="3887299"/>
+            <a:ext cx="4781332" cy="2689499"/>
+          </a:xfrm>
+          <a:prstGeom prst="rect">
+            <a:avLst/>
+          </a:prstGeom>
+        </p:spPr>
+      </p:pic>
+      <p:pic>
+        <p:nvPicPr>
+          <p:cNvPr id="5" name="Picture 4"/>
+          <p:cNvPicPr>
+            <a:picLocks noChangeAspect="1"/>
+          </p:cNvPicPr>
+          <p:nvPr/>
+        </p:nvPicPr>
+        <p:blipFill>
+          <a:blip r:embed="rId3" cstate="print">
+            <a:extLst>
+              <a:ext uri="{28A0092B-C50C-407E-A947-70E740481C1C}">
+                <a14:useLocalDpi xmlns:a14="http://schemas.microsoft.com/office/drawing/2010/main" val="0"/>
+              </a:ext>
+            </a:extLst>
+          </a:blip>
+          <a:stretch>
+            <a:fillRect/>
+          </a:stretch>
+        </p:blipFill>
+        <p:spPr>
+          <a:xfrm>
+            <a:off x="7097009" y="3836981"/>
+            <a:ext cx="4870785" cy="2739817"/>
+          </a:xfrm>
+          <a:prstGeom prst="rect">
+            <a:avLst/>
+          </a:prstGeom>
+        </p:spPr>
+      </p:pic>
+      <p:pic>
+        <p:nvPicPr>
+          <p:cNvPr id="6" name="Picture 5"/>
+          <p:cNvPicPr>
+            <a:picLocks noChangeAspect="1"/>
+          </p:cNvPicPr>
+          <p:nvPr/>
+        </p:nvPicPr>
+        <p:blipFill>
+          <a:blip r:embed="rId4" cstate="print">
+            <a:extLst>
+              <a:ext uri="{28A0092B-C50C-407E-A947-70E740481C1C}">
+                <a14:useLocalDpi xmlns:a14="http://schemas.microsoft.com/office/drawing/2010/main" val="0"/>
+              </a:ext>
+            </a:extLst>
+          </a:blip>
+          <a:stretch>
+            <a:fillRect/>
+          </a:stretch>
+        </p:blipFill>
+        <p:spPr>
+          <a:xfrm>
+            <a:off x="7097009" y="365125"/>
+            <a:ext cx="4870785" cy="2739816"/>
+          </a:xfrm>
+          <a:prstGeom prst="rect">
+            <a:avLst/>
+          </a:prstGeom>
+        </p:spPr>
+      </p:pic>
     </p:spTree>
     <p:extLst>
       <p:ext uri="{BB962C8B-B14F-4D97-AF65-F5344CB8AC3E}">
-        <p14:creationId xmlns:p14="http://schemas.microsoft.com/office/powerpoint/2010/main" val="4007875663"/>
+        <p14:creationId xmlns:p14="http://schemas.microsoft.com/office/powerpoint/2010/main" val="2748390128"/>
       </p:ext>
     </p:extLst>
   </p:cSld>
@@ -3492,7 +3766,7 @@
           <a:p>
             <a:r>
               <a:rPr lang="en-GB" dirty="0" smtClean="0"/>
-              <a:t>UI Design Photoshop</a:t>
+              <a:t>UI Design Java</a:t>
             </a:r>
             <a:endParaRPr lang="en-GB" dirty="0"/>
           </a:p>
@@ -3520,7 +3794,7 @@
     </p:spTree>
     <p:extLst>
       <p:ext uri="{BB962C8B-B14F-4D97-AF65-F5344CB8AC3E}">
-        <p14:creationId xmlns:p14="http://schemas.microsoft.com/office/powerpoint/2010/main" val="2748390128"/>
+        <p14:creationId xmlns:p14="http://schemas.microsoft.com/office/powerpoint/2010/main" val="4007875663"/>
       </p:ext>
     </p:extLst>
   </p:cSld>

--- a/Documentation/Space Adventure Game.pptx
+++ b/Documentation/Space Adventure Game.pptx
@@ -2,7 +2,7 @@
 <file path=ppt/presentation.xml><?xml version="1.0" encoding="utf-8"?>
 <p:presentation xmlns:a="http://schemas.openxmlformats.org/drawingml/2006/main" xmlns:r="http://schemas.openxmlformats.org/officeDocument/2006/relationships" xmlns:p="http://schemas.openxmlformats.org/presentationml/2006/main" saveSubsetFonts="1">
   <p:sldMasterIdLst>
-    <p:sldMasterId id="2147483648" r:id="rId1"/>
+    <p:sldMasterId id="2147483696" r:id="rId1"/>
   </p:sldMasterIdLst>
   <p:sldIdLst>
     <p:sldId id="256" r:id="rId2"/>
@@ -120,7 +120,7 @@
 </file>
 
 <file path=ppt/slideLayouts/slideLayout1.xml><?xml version="1.0" encoding="utf-8"?>
-<p:sldLayout xmlns:a="http://schemas.openxmlformats.org/drawingml/2006/main" xmlns:r="http://schemas.openxmlformats.org/officeDocument/2006/relationships" xmlns:p="http://schemas.openxmlformats.org/presentationml/2006/main" type="title" preserve="1">
+<p:sldLayout xmlns:a="http://schemas.openxmlformats.org/drawingml/2006/main" xmlns:r="http://schemas.openxmlformats.org/officeDocument/2006/relationships" xmlns:p="http://schemas.openxmlformats.org/presentationml/2006/main" showMasterSp="0" type="title" preserve="1">
   <p:cSld name="Title Slide">
     <p:spTree>
       <p:nvGrpSpPr>
@@ -138,25 +138,291 @@
       </p:grpSpPr>
       <p:sp>
         <p:nvSpPr>
-          <p:cNvPr id="2" name="Title 1"/>
-          <p:cNvSpPr>
-            <a:spLocks noGrp="1"/>
-          </p:cNvSpPr>
-          <p:nvPr>
-            <p:ph type="ctrTitle"/>
-          </p:nvPr>
+          <p:cNvPr id="7" name="Rectangle 6"/>
+          <p:cNvSpPr/>
+          <p:nvPr/>
         </p:nvSpPr>
         <p:spPr>
           <a:xfrm>
-            <a:off x="1524000" y="1122363"/>
-            <a:ext cx="9144000" cy="2387600"/>
+            <a:off x="920834" y="1346946"/>
+            <a:ext cx="10222992" cy="80683"/>
+          </a:xfrm>
+          <a:prstGeom prst="rect">
+            <a:avLst/>
+          </a:prstGeom>
+          <a:blipFill dpi="0" rotWithShape="1">
+            <a:blip r:embed="rId2">
+              <a:alphaModFix amt="85000"/>
+              <a:lum bright="70000" contrast="-70000"/>
+              <a:extLst>
+                <a:ext uri="{BEBA8EAE-BF5A-486C-A8C5-ECC9F3942E4B}">
+                  <a14:imgProps xmlns:a14="http://schemas.microsoft.com/office/drawing/2010/main">
+                    <a14:imgLayer r:embed="rId3">
+                      <a14:imgEffect>
+                        <a14:sharpenSoften amount="61000"/>
+                      </a14:imgEffect>
+                    </a14:imgLayer>
+                  </a14:imgProps>
+                </a:ext>
+                <a:ext uri="{28A0092B-C50C-407E-A947-70E740481C1C}">
+                  <a14:useLocalDpi xmlns:a14="http://schemas.microsoft.com/office/drawing/2010/main" val="0"/>
+                </a:ext>
+              </a:extLst>
+            </a:blip>
+            <a:srcRect/>
+            <a:tile tx="0" ty="-762000" sx="92000" sy="89000" flip="xy" algn="ctr"/>
+          </a:blipFill>
+          <a:ln>
+            <a:noFill/>
+          </a:ln>
+        </p:spPr>
+        <p:style>
+          <a:lnRef idx="2">
+            <a:schemeClr val="accent1">
+              <a:shade val="50000"/>
+            </a:schemeClr>
+          </a:lnRef>
+          <a:fillRef idx="1">
+            <a:schemeClr val="accent1"/>
+          </a:fillRef>
+          <a:effectRef idx="0">
+            <a:schemeClr val="accent1"/>
+          </a:effectRef>
+          <a:fontRef idx="minor">
+            <a:schemeClr val="lt1"/>
+          </a:fontRef>
+        </p:style>
+      </p:sp>
+      <p:sp>
+        <p:nvSpPr>
+          <p:cNvPr id="8" name="Rectangle 7"/>
+          <p:cNvSpPr/>
+          <p:nvPr/>
+        </p:nvSpPr>
+        <p:spPr>
+          <a:xfrm>
+            <a:off x="920834" y="4299696"/>
+            <a:ext cx="10222992" cy="80683"/>
+          </a:xfrm>
+          <a:prstGeom prst="rect">
+            <a:avLst/>
+          </a:prstGeom>
+          <a:blipFill dpi="0" rotWithShape="1">
+            <a:blip r:embed="rId2">
+              <a:alphaModFix amt="85000"/>
+              <a:lum bright="70000" contrast="-70000"/>
+              <a:extLst>
+                <a:ext uri="{BEBA8EAE-BF5A-486C-A8C5-ECC9F3942E4B}">
+                  <a14:imgProps xmlns:a14="http://schemas.microsoft.com/office/drawing/2010/main">
+                    <a14:imgLayer r:embed="rId3">
+                      <a14:imgEffect>
+                        <a14:sharpenSoften amount="61000"/>
+                      </a14:imgEffect>
+                    </a14:imgLayer>
+                  </a14:imgProps>
+                </a:ext>
+                <a:ext uri="{28A0092B-C50C-407E-A947-70E740481C1C}">
+                  <a14:useLocalDpi xmlns:a14="http://schemas.microsoft.com/office/drawing/2010/main" val="0"/>
+                </a:ext>
+              </a:extLst>
+            </a:blip>
+            <a:srcRect/>
+            <a:tile tx="0" ty="-717550" sx="92000" sy="89000" flip="xy" algn="ctr"/>
+          </a:blipFill>
+          <a:ln>
+            <a:noFill/>
+          </a:ln>
+        </p:spPr>
+        <p:style>
+          <a:lnRef idx="2">
+            <a:schemeClr val="accent1">
+              <a:shade val="50000"/>
+            </a:schemeClr>
+          </a:lnRef>
+          <a:fillRef idx="1">
+            <a:schemeClr val="accent1"/>
+          </a:fillRef>
+          <a:effectRef idx="0">
+            <a:schemeClr val="accent1"/>
+          </a:effectRef>
+          <a:fontRef idx="minor">
+            <a:schemeClr val="lt1"/>
+          </a:fontRef>
+        </p:style>
+      </p:sp>
+      <p:sp>
+        <p:nvSpPr>
+          <p:cNvPr id="9" name="Rectangle 8"/>
+          <p:cNvSpPr/>
+          <p:nvPr/>
+        </p:nvSpPr>
+        <p:spPr>
+          <a:xfrm>
+            <a:off x="920834" y="1484779"/>
+            <a:ext cx="10222992" cy="2743200"/>
+          </a:xfrm>
+          <a:prstGeom prst="rect">
+            <a:avLst/>
+          </a:prstGeom>
+          <a:blipFill dpi="0" rotWithShape="1">
+            <a:blip r:embed="rId2">
+              <a:alphaModFix amt="85000"/>
+              <a:lum bright="70000" contrast="-70000"/>
+              <a:extLst>
+                <a:ext uri="{BEBA8EAE-BF5A-486C-A8C5-ECC9F3942E4B}">
+                  <a14:imgProps xmlns:a14="http://schemas.microsoft.com/office/drawing/2010/main">
+                    <a14:imgLayer r:embed="rId3">
+                      <a14:imgEffect>
+                        <a14:sharpenSoften amount="61000"/>
+                      </a14:imgEffect>
+                    </a14:imgLayer>
+                  </a14:imgProps>
+                </a:ext>
+                <a:ext uri="{28A0092B-C50C-407E-A947-70E740481C1C}">
+                  <a14:useLocalDpi xmlns:a14="http://schemas.microsoft.com/office/drawing/2010/main" val="0"/>
+                </a:ext>
+              </a:extLst>
+            </a:blip>
+            <a:srcRect/>
+            <a:tile tx="0" ty="-704850" sx="92000" sy="89000" flip="xy" algn="ctr"/>
+          </a:blipFill>
+          <a:ln>
+            <a:noFill/>
+          </a:ln>
+        </p:spPr>
+        <p:style>
+          <a:lnRef idx="2">
+            <a:schemeClr val="accent1">
+              <a:shade val="50000"/>
+            </a:schemeClr>
+          </a:lnRef>
+          <a:fillRef idx="1">
+            <a:schemeClr val="accent1"/>
+          </a:fillRef>
+          <a:effectRef idx="0">
+            <a:schemeClr val="accent1"/>
+          </a:effectRef>
+          <a:fontRef idx="minor">
+            <a:schemeClr val="lt1"/>
+          </a:fontRef>
+        </p:style>
+      </p:sp>
+      <p:grpSp>
+        <p:nvGrpSpPr>
+          <p:cNvPr id="10" name="Group 9"/>
+          <p:cNvGrpSpPr/>
+          <p:nvPr/>
+        </p:nvGrpSpPr>
+        <p:grpSpPr>
+          <a:xfrm>
+            <a:off x="9649215" y="4068923"/>
+            <a:ext cx="1080904" cy="1080902"/>
+            <a:chOff x="9685338" y="4460675"/>
+            <a:chExt cx="1080904" cy="1080902"/>
+          </a:xfrm>
+        </p:grpSpPr>
+        <p:sp>
+          <p:nvSpPr>
+            <p:cNvPr id="11" name="Oval 10"/>
+            <p:cNvSpPr/>
+            <p:nvPr/>
+          </p:nvSpPr>
+          <p:spPr>
+            <a:xfrm>
+              <a:off x="9685338" y="4460675"/>
+              <a:ext cx="1080904" cy="1080902"/>
+            </a:xfrm>
+            <a:prstGeom prst="ellipse">
+              <a:avLst/>
+            </a:prstGeom>
+            <a:blipFill dpi="0" rotWithShape="1">
+              <a:blip r:embed="rId4">
+                <a:duotone>
+                  <a:schemeClr val="accent1">
+                    <a:shade val="45000"/>
+                    <a:satMod val="135000"/>
+                  </a:schemeClr>
+                  <a:prstClr val="white"/>
+                </a:duotone>
+                <a:extLst>
+                  <a:ext uri="{BEBA8EAE-BF5A-486C-A8C5-ECC9F3942E4B}">
+                    <a14:imgProps xmlns:a14="http://schemas.microsoft.com/office/drawing/2010/main">
+                      <a14:imgLayer r:embed="rId5">
+                        <a14:imgEffect>
+                          <a14:saturation sat="95000"/>
+                        </a14:imgEffect>
+                      </a14:imgLayer>
+                    </a14:imgProps>
+                  </a:ext>
+                </a:extLst>
+              </a:blip>
+              <a:srcRect/>
+              <a:tile tx="0" ty="0" sx="85000" sy="85000" flip="none" algn="tl"/>
+            </a:blipFill>
+            <a:ln w="25400" cap="flat" cmpd="sng" algn="ctr">
+              <a:noFill/>
+              <a:prstDash val="solid"/>
+            </a:ln>
+            <a:effectLst/>
+          </p:spPr>
+        </p:sp>
+        <p:sp>
+          <p:nvSpPr>
+            <p:cNvPr id="12" name="Oval 11"/>
+            <p:cNvSpPr/>
+            <p:nvPr/>
+          </p:nvSpPr>
+          <p:spPr>
+            <a:xfrm>
+              <a:off x="9793429" y="4568765"/>
+              <a:ext cx="864723" cy="864722"/>
+            </a:xfrm>
+            <a:prstGeom prst="ellipse">
+              <a:avLst/>
+            </a:prstGeom>
+            <a:noFill/>
+            <a:ln w="25400" cap="flat" cmpd="sng" algn="ctr">
+              <a:solidFill>
+                <a:sysClr val="window" lastClr="FFFFFF"/>
+              </a:solidFill>
+              <a:prstDash val="solid"/>
+            </a:ln>
+            <a:effectLst/>
+          </p:spPr>
+        </p:sp>
+      </p:grpSp>
+      <p:sp>
+        <p:nvSpPr>
+          <p:cNvPr id="2" name="Title 1"/>
+          <p:cNvSpPr>
+            <a:spLocks noGrp="1"/>
+          </p:cNvSpPr>
+          <p:nvPr>
+            <p:ph type="ctrTitle"/>
+          </p:nvPr>
+        </p:nvSpPr>
+        <p:spPr>
+          <a:xfrm>
+            <a:off x="1051560" y="1432223"/>
+            <a:ext cx="9966960" cy="3035808"/>
           </a:xfrm>
         </p:spPr>
         <p:txBody>
-          <a:bodyPr anchor="b"/>
+          <a:bodyPr anchor="ctr">
+            <a:noAutofit/>
+          </a:bodyPr>
           <a:lstStyle>
-            <a:lvl1pPr algn="ctr">
-              <a:defRPr sz="6000"/>
+            <a:lvl1pPr algn="l">
+              <a:lnSpc>
+                <a:spcPct val="80000"/>
+              </a:lnSpc>
+              <a:defRPr sz="9600" cap="all" baseline="0">
+                <a:blipFill dpi="0" rotWithShape="1">
+                  <a:blip r:embed="rId4"/>
+                  <a:srcRect/>
+                  <a:tile tx="6350" ty="-127000" sx="65000" sy="64000" flip="none" algn="tl"/>
+                </a:blipFill>
+              </a:defRPr>
             </a:lvl1pPr>
           </a:lstStyle>
           <a:p>
@@ -164,7 +430,7 @@
               <a:rPr lang="en-US" smtClean="0"/>
               <a:t>Click to edit Master title style</a:t>
             </a:r>
-            <a:endParaRPr lang="en-GB"/>
+            <a:endParaRPr lang="en-US" dirty="0"/>
           </a:p>
         </p:txBody>
       </p:sp>
@@ -180,48 +446,54 @@
         </p:nvSpPr>
         <p:spPr>
           <a:xfrm>
-            <a:off x="1524000" y="3602038"/>
-            <a:ext cx="9144000" cy="1655762"/>
+            <a:off x="1069848" y="4389120"/>
+            <a:ext cx="7891272" cy="1069848"/>
           </a:xfrm>
         </p:spPr>
         <p:txBody>
-          <a:bodyPr/>
+          <a:bodyPr>
+            <a:normAutofit/>
+          </a:bodyPr>
           <a:lstStyle>
-            <a:lvl1pPr marL="0" indent="0" algn="ctr">
-              <a:buNone/>
-              <a:defRPr sz="2400"/>
+            <a:lvl1pPr marL="0" indent="0" algn="l">
+              <a:buNone/>
+              <a:defRPr sz="2200">
+                <a:solidFill>
+                  <a:schemeClr val="tx1"/>
+                </a:solidFill>
+              </a:defRPr>
             </a:lvl1pPr>
             <a:lvl2pPr marL="457200" indent="0" algn="ctr">
               <a:buNone/>
-              <a:defRPr sz="2000"/>
+              <a:defRPr sz="2200"/>
             </a:lvl2pPr>
             <a:lvl3pPr marL="914400" indent="0" algn="ctr">
               <a:buNone/>
-              <a:defRPr sz="1800"/>
+              <a:defRPr sz="2200"/>
             </a:lvl3pPr>
             <a:lvl4pPr marL="1371600" indent="0" algn="ctr">
               <a:buNone/>
-              <a:defRPr sz="1600"/>
+              <a:defRPr sz="2000"/>
             </a:lvl4pPr>
             <a:lvl5pPr marL="1828800" indent="0" algn="ctr">
               <a:buNone/>
-              <a:defRPr sz="1600"/>
+              <a:defRPr sz="2000"/>
             </a:lvl5pPr>
             <a:lvl6pPr marL="2286000" indent="0" algn="ctr">
               <a:buNone/>
-              <a:defRPr sz="1600"/>
+              <a:defRPr sz="2000"/>
             </a:lvl6pPr>
             <a:lvl7pPr marL="2743200" indent="0" algn="ctr">
               <a:buNone/>
-              <a:defRPr sz="1600"/>
+              <a:defRPr sz="2000"/>
             </a:lvl7pPr>
             <a:lvl8pPr marL="3200400" indent="0" algn="ctr">
               <a:buNone/>
-              <a:defRPr sz="1600"/>
+              <a:defRPr sz="2000"/>
             </a:lvl8pPr>
             <a:lvl9pPr marL="3657600" indent="0" algn="ctr">
               <a:buNone/>
-              <a:defRPr sz="1600"/>
+              <a:defRPr sz="2000"/>
             </a:lvl9pPr>
           </a:lstStyle>
           <a:p>
@@ -229,7 +501,7 @@
               <a:rPr lang="en-US" smtClean="0"/>
               <a:t>Click to edit Master subtitle style</a:t>
             </a:r>
-            <a:endParaRPr lang="en-GB"/>
+            <a:endParaRPr lang="en-US" dirty="0"/>
           </a:p>
         </p:txBody>
       </p:sp>
@@ -285,10 +557,19 @@
             <p:ph type="sldNum" sz="quarter" idx="12"/>
           </p:nvPr>
         </p:nvSpPr>
-        <p:spPr/>
-        <p:txBody>
-          <a:bodyPr/>
-          <a:lstStyle/>
+        <p:spPr>
+          <a:xfrm>
+            <a:off x="9592733" y="4289334"/>
+            <a:ext cx="1193868" cy="640080"/>
+          </a:xfrm>
+        </p:spPr>
+        <p:txBody>
+          <a:bodyPr/>
+          <a:lstStyle>
+            <a:lvl1pPr>
+              <a:defRPr sz="2800"/>
+            </a:lvl1pPr>
+          </a:lstStyle>
           <a:p>
             <a:fld id="{902B11E2-AAE8-437D-8428-3C8A4F180F71}" type="slidenum">
               <a:rPr lang="en-GB" smtClean="0"/>
@@ -301,7 +582,7 @@
     </p:spTree>
     <p:extLst>
       <p:ext uri="{BB962C8B-B14F-4D97-AF65-F5344CB8AC3E}">
-        <p14:creationId xmlns:p14="http://schemas.microsoft.com/office/powerpoint/2010/main" val="1005128543"/>
+        <p14:creationId xmlns:p14="http://schemas.microsoft.com/office/powerpoint/2010/main" val="3652923110"/>
       </p:ext>
     </p:extLst>
   </p:cSld>
@@ -347,7 +628,7 @@
               <a:rPr lang="en-US" smtClean="0"/>
               <a:t>Click to edit Master title style</a:t>
             </a:r>
-            <a:endParaRPr lang="en-GB"/>
+            <a:endParaRPr lang="en-US" dirty="0"/>
           </a:p>
         </p:txBody>
       </p:sp>
@@ -399,7 +680,7 @@
               <a:rPr lang="en-US" smtClean="0"/>
               <a:t>Fifth level</a:t>
             </a:r>
-            <a:endParaRPr lang="en-GB"/>
+            <a:endParaRPr lang="en-US" dirty="0"/>
           </a:p>
         </p:txBody>
       </p:sp>
@@ -471,7 +752,7 @@
     </p:spTree>
     <p:extLst>
       <p:ext uri="{BB962C8B-B14F-4D97-AF65-F5344CB8AC3E}">
-        <p14:creationId xmlns:p14="http://schemas.microsoft.com/office/powerpoint/2010/main" val="1601329425"/>
+        <p14:creationId xmlns:p14="http://schemas.microsoft.com/office/powerpoint/2010/main" val="3632155907"/>
       </p:ext>
     </p:extLst>
   </p:cSld>
@@ -510,8 +791,8 @@
         </p:nvSpPr>
         <p:spPr>
           <a:xfrm>
-            <a:off x="8724900" y="365125"/>
-            <a:ext cx="2628900" cy="5811838"/>
+            <a:off x="8724900" y="533400"/>
+            <a:ext cx="2552700" cy="5638800"/>
           </a:xfrm>
         </p:spPr>
         <p:txBody>
@@ -522,7 +803,7 @@
               <a:rPr lang="en-US" smtClean="0"/>
               <a:t>Click to edit Master title style</a:t>
             </a:r>
-            <a:endParaRPr lang="en-GB"/>
+            <a:endParaRPr lang="en-US" dirty="0"/>
           </a:p>
         </p:txBody>
       </p:sp>
@@ -538,8 +819,8 @@
         </p:nvSpPr>
         <p:spPr>
           <a:xfrm>
-            <a:off x="838200" y="365125"/>
-            <a:ext cx="7734300" cy="5811838"/>
+            <a:off x="1066800" y="533400"/>
+            <a:ext cx="7505700" cy="5638800"/>
           </a:xfrm>
         </p:spPr>
         <p:txBody>
@@ -579,7 +860,7 @@
               <a:rPr lang="en-US" smtClean="0"/>
               <a:t>Fifth level</a:t>
             </a:r>
-            <a:endParaRPr lang="en-GB"/>
+            <a:endParaRPr lang="en-US" dirty="0"/>
           </a:p>
         </p:txBody>
       </p:sp>
@@ -651,7 +932,7 @@
     </p:spTree>
     <p:extLst>
       <p:ext uri="{BB962C8B-B14F-4D97-AF65-F5344CB8AC3E}">
-        <p14:creationId xmlns:p14="http://schemas.microsoft.com/office/powerpoint/2010/main" val="1750928447"/>
+        <p14:creationId xmlns:p14="http://schemas.microsoft.com/office/powerpoint/2010/main" val="192839378"/>
       </p:ext>
     </p:extLst>
   </p:cSld>
@@ -697,7 +978,7 @@
               <a:rPr lang="en-US" smtClean="0"/>
               <a:t>Click to edit Master title style</a:t>
             </a:r>
-            <a:endParaRPr lang="en-GB"/>
+            <a:endParaRPr lang="en-US" dirty="0"/>
           </a:p>
         </p:txBody>
       </p:sp>
@@ -749,7 +1030,7 @@
               <a:rPr lang="en-US" smtClean="0"/>
               <a:t>Fifth level</a:t>
             </a:r>
-            <a:endParaRPr lang="en-GB"/>
+            <a:endParaRPr lang="en-US" dirty="0"/>
           </a:p>
         </p:txBody>
       </p:sp>
@@ -821,7 +1102,7 @@
     </p:spTree>
     <p:extLst>
       <p:ext uri="{BB962C8B-B14F-4D97-AF65-F5344CB8AC3E}">
-        <p14:creationId xmlns:p14="http://schemas.microsoft.com/office/powerpoint/2010/main" val="50200205"/>
+        <p14:creationId xmlns:p14="http://schemas.microsoft.com/office/powerpoint/2010/main" val="1821091158"/>
       </p:ext>
     </p:extLst>
   </p:cSld>
@@ -832,7 +1113,7 @@
 </file>
 
 <file path=ppt/slideLayouts/slideLayout3.xml><?xml version="1.0" encoding="utf-8"?>
-<p:sldLayout xmlns:a="http://schemas.openxmlformats.org/drawingml/2006/main" xmlns:r="http://schemas.openxmlformats.org/officeDocument/2006/relationships" xmlns:p="http://schemas.openxmlformats.org/presentationml/2006/main" type="secHead" preserve="1">
+<p:sldLayout xmlns:a="http://schemas.openxmlformats.org/drawingml/2006/main" xmlns:r="http://schemas.openxmlformats.org/officeDocument/2006/relationships" xmlns:p="http://schemas.openxmlformats.org/presentationml/2006/main" showMasterSp="0" type="secHead" preserve="1">
   <p:cSld name="Section Header">
     <p:spTree>
       <p:nvGrpSpPr>
@@ -850,25 +1131,87 @@
       </p:grpSpPr>
       <p:sp>
         <p:nvSpPr>
-          <p:cNvPr id="2" name="Title 1"/>
-          <p:cNvSpPr>
-            <a:spLocks noGrp="1"/>
-          </p:cNvSpPr>
-          <p:nvPr>
-            <p:ph type="title"/>
-          </p:nvPr>
+          <p:cNvPr id="7" name="Rectangle 6"/>
+          <p:cNvSpPr/>
+          <p:nvPr/>
         </p:nvSpPr>
         <p:spPr>
           <a:xfrm>
-            <a:off x="831850" y="1709738"/>
-            <a:ext cx="10515600" cy="2852737"/>
+            <a:off x="0" y="4917989"/>
+            <a:ext cx="12192000" cy="1940010"/>
+          </a:xfrm>
+          <a:prstGeom prst="rect">
+            <a:avLst/>
+          </a:prstGeom>
+          <a:blipFill dpi="0" rotWithShape="1">
+            <a:blip r:embed="rId2">
+              <a:alphaModFix amt="85000"/>
+              <a:lum bright="70000" contrast="-70000"/>
+              <a:extLst>
+                <a:ext uri="{BEBA8EAE-BF5A-486C-A8C5-ECC9F3942E4B}">
+                  <a14:imgProps xmlns:a14="http://schemas.microsoft.com/office/drawing/2010/main">
+                    <a14:imgLayer r:embed="rId3">
+                      <a14:imgEffect>
+                        <a14:sharpenSoften amount="61000"/>
+                      </a14:imgEffect>
+                    </a14:imgLayer>
+                  </a14:imgProps>
+                </a:ext>
+                <a:ext uri="{28A0092B-C50C-407E-A947-70E740481C1C}">
+                  <a14:useLocalDpi xmlns:a14="http://schemas.microsoft.com/office/drawing/2010/main" val="0"/>
+                </a:ext>
+              </a:extLst>
+            </a:blip>
+            <a:srcRect/>
+            <a:tile tx="0" ty="-704850" sx="92000" sy="89000" flip="xy" algn="ctr"/>
+          </a:blipFill>
+          <a:ln>
+            <a:noFill/>
+          </a:ln>
+        </p:spPr>
+        <p:style>
+          <a:lnRef idx="2">
+            <a:schemeClr val="accent1">
+              <a:shade val="50000"/>
+            </a:schemeClr>
+          </a:lnRef>
+          <a:fillRef idx="1">
+            <a:schemeClr val="accent1"/>
+          </a:fillRef>
+          <a:effectRef idx="0">
+            <a:schemeClr val="accent1"/>
+          </a:effectRef>
+          <a:fontRef idx="minor">
+            <a:schemeClr val="lt1"/>
+          </a:fontRef>
+        </p:style>
+      </p:sp>
+      <p:sp>
+        <p:nvSpPr>
+          <p:cNvPr id="2" name="Title 1"/>
+          <p:cNvSpPr>
+            <a:spLocks noGrp="1"/>
+          </p:cNvSpPr>
+          <p:nvPr>
+            <p:ph type="title"/>
+          </p:nvPr>
+        </p:nvSpPr>
+        <p:spPr>
+          <a:xfrm>
+            <a:off x="2167128" y="1225296"/>
+            <a:ext cx="9281160" cy="3520440"/>
           </a:xfrm>
         </p:spPr>
         <p:txBody>
-          <a:bodyPr anchor="b"/>
+          <a:bodyPr anchor="ctr">
+            <a:normAutofit/>
+          </a:bodyPr>
           <a:lstStyle>
             <a:lvl1pPr>
-              <a:defRPr sz="6000"/>
+              <a:lnSpc>
+                <a:spcPct val="80000"/>
+              </a:lnSpc>
+              <a:defRPr sz="8000" b="0"/>
             </a:lvl1pPr>
           </a:lstStyle>
           <a:p>
@@ -876,7 +1219,7 @@
               <a:rPr lang="en-US" smtClean="0"/>
               <a:t>Click to edit Master title style</a:t>
             </a:r>
-            <a:endParaRPr lang="en-GB"/>
+            <a:endParaRPr lang="en-US" dirty="0"/>
           </a:p>
         </p:txBody>
       </p:sp>
@@ -892,26 +1235,26 @@
         </p:nvSpPr>
         <p:spPr>
           <a:xfrm>
-            <a:off x="831850" y="4589463"/>
-            <a:ext cx="10515600" cy="1500187"/>
+            <a:off x="2165774" y="5020056"/>
+            <a:ext cx="9052560" cy="1066800"/>
           </a:xfrm>
         </p:spPr>
         <p:txBody>
-          <a:bodyPr/>
+          <a:bodyPr anchor="t">
+            <a:normAutofit/>
+          </a:bodyPr>
           <a:lstStyle>
             <a:lvl1pPr marL="0" indent="0">
               <a:buNone/>
-              <a:defRPr sz="2400">
+              <a:defRPr sz="2000">
                 <a:solidFill>
-                  <a:schemeClr val="tx1">
-                    <a:tint val="75000"/>
-                  </a:schemeClr>
+                  <a:schemeClr val="tx1"/>
                 </a:solidFill>
               </a:defRPr>
             </a:lvl1pPr>
             <a:lvl2pPr marL="457200" indent="0">
               <a:buNone/>
-              <a:defRPr sz="2000">
+              <a:defRPr sz="1800">
                 <a:solidFill>
                   <a:schemeClr val="tx1">
                     <a:tint val="75000"/>
@@ -921,7 +1264,7 @@
             </a:lvl2pPr>
             <a:lvl3pPr marL="914400" indent="0">
               <a:buNone/>
-              <a:defRPr sz="1800">
+              <a:defRPr sz="1600">
                 <a:solidFill>
                   <a:schemeClr val="tx1">
                     <a:tint val="75000"/>
@@ -931,7 +1274,7 @@
             </a:lvl3pPr>
             <a:lvl4pPr marL="1371600" indent="0">
               <a:buNone/>
-              <a:defRPr sz="1600">
+              <a:defRPr sz="1400">
                 <a:solidFill>
                   <a:schemeClr val="tx1">
                     <a:tint val="75000"/>
@@ -941,7 +1284,7 @@
             </a:lvl4pPr>
             <a:lvl5pPr marL="1828800" indent="0">
               <a:buNone/>
-              <a:defRPr sz="1600">
+              <a:defRPr sz="1400">
                 <a:solidFill>
                   <a:schemeClr val="tx1">
                     <a:tint val="75000"/>
@@ -951,7 +1294,7 @@
             </a:lvl5pPr>
             <a:lvl6pPr marL="2286000" indent="0">
               <a:buNone/>
-              <a:defRPr sz="1600">
+              <a:defRPr sz="1400">
                 <a:solidFill>
                   <a:schemeClr val="tx1">
                     <a:tint val="75000"/>
@@ -961,7 +1304,7 @@
             </a:lvl6pPr>
             <a:lvl7pPr marL="2743200" indent="0">
               <a:buNone/>
-              <a:defRPr sz="1600">
+              <a:defRPr sz="1400">
                 <a:solidFill>
                   <a:schemeClr val="tx1">
                     <a:tint val="75000"/>
@@ -971,7 +1314,7 @@
             </a:lvl7pPr>
             <a:lvl8pPr marL="3200400" indent="0">
               <a:buNone/>
-              <a:defRPr sz="1600">
+              <a:defRPr sz="1400">
                 <a:solidFill>
                   <a:schemeClr val="tx1">
                     <a:tint val="75000"/>
@@ -981,7 +1324,7 @@
             </a:lvl8pPr>
             <a:lvl9pPr marL="3657600" indent="0">
               <a:buNone/>
-              <a:defRPr sz="1600">
+              <a:defRPr sz="1400">
                 <a:solidFill>
                   <a:schemeClr val="tx1">
                     <a:tint val="75000"/>
@@ -1009,7 +1352,12 @@
             <p:ph type="dt" sz="half" idx="10"/>
           </p:nvPr>
         </p:nvSpPr>
-        <p:spPr/>
+        <p:spPr>
+          <a:xfrm>
+            <a:off x="8593667" y="6272784"/>
+            <a:ext cx="2644309" cy="365125"/>
+          </a:xfrm>
+        </p:spPr>
         <p:txBody>
           <a:bodyPr/>
           <a:lstStyle/>
@@ -1032,7 +1380,12 @@
             <p:ph type="ftr" sz="quarter" idx="11"/>
           </p:nvPr>
         </p:nvSpPr>
-        <p:spPr/>
+        <p:spPr>
+          <a:xfrm>
+            <a:off x="2182708" y="6272784"/>
+            <a:ext cx="6327648" cy="365125"/>
+          </a:xfrm>
+        </p:spPr>
         <p:txBody>
           <a:bodyPr/>
           <a:lstStyle/>
@@ -1041,6 +1394,90 @@
           </a:p>
         </p:txBody>
       </p:sp>
+      <p:grpSp>
+        <p:nvGrpSpPr>
+          <p:cNvPr id="8" name="Group 7"/>
+          <p:cNvGrpSpPr/>
+          <p:nvPr/>
+        </p:nvGrpSpPr>
+        <p:grpSpPr>
+          <a:xfrm>
+            <a:off x="897399" y="2325848"/>
+            <a:ext cx="1080904" cy="1080902"/>
+            <a:chOff x="9685338" y="4460675"/>
+            <a:chExt cx="1080904" cy="1080902"/>
+          </a:xfrm>
+        </p:grpSpPr>
+        <p:sp>
+          <p:nvSpPr>
+            <p:cNvPr id="9" name="Oval 8"/>
+            <p:cNvSpPr/>
+            <p:nvPr/>
+          </p:nvSpPr>
+          <p:spPr>
+            <a:xfrm>
+              <a:off x="9685338" y="4460675"/>
+              <a:ext cx="1080904" cy="1080902"/>
+            </a:xfrm>
+            <a:prstGeom prst="ellipse">
+              <a:avLst/>
+            </a:prstGeom>
+            <a:blipFill dpi="0" rotWithShape="1">
+              <a:blip r:embed="rId4">
+                <a:duotone>
+                  <a:schemeClr val="accent1">
+                    <a:shade val="45000"/>
+                    <a:satMod val="135000"/>
+                  </a:schemeClr>
+                  <a:prstClr val="white"/>
+                </a:duotone>
+                <a:extLst>
+                  <a:ext uri="{BEBA8EAE-BF5A-486C-A8C5-ECC9F3942E4B}">
+                    <a14:imgProps xmlns:a14="http://schemas.microsoft.com/office/drawing/2010/main">
+                      <a14:imgLayer r:embed="rId5">
+                        <a14:imgEffect>
+                          <a14:saturation sat="95000"/>
+                        </a14:imgEffect>
+                      </a14:imgLayer>
+                    </a14:imgProps>
+                  </a:ext>
+                </a:extLst>
+              </a:blip>
+              <a:srcRect/>
+              <a:tile tx="0" ty="0" sx="85000" sy="85000" flip="none" algn="tl"/>
+            </a:blipFill>
+            <a:ln w="25400" cap="flat" cmpd="sng" algn="ctr">
+              <a:noFill/>
+              <a:prstDash val="solid"/>
+            </a:ln>
+            <a:effectLst/>
+          </p:spPr>
+        </p:sp>
+        <p:sp>
+          <p:nvSpPr>
+            <p:cNvPr id="10" name="Oval 9"/>
+            <p:cNvSpPr/>
+            <p:nvPr/>
+          </p:nvSpPr>
+          <p:spPr>
+            <a:xfrm>
+              <a:off x="9793429" y="4568765"/>
+              <a:ext cx="864723" cy="864722"/>
+            </a:xfrm>
+            <a:prstGeom prst="ellipse">
+              <a:avLst/>
+            </a:prstGeom>
+            <a:noFill/>
+            <a:ln w="25400" cap="flat" cmpd="sng" algn="ctr">
+              <a:solidFill>
+                <a:sysClr val="window" lastClr="FFFFFF"/>
+              </a:solidFill>
+              <a:prstDash val="solid"/>
+            </a:ln>
+            <a:effectLst/>
+          </p:spPr>
+        </p:sp>
+      </p:grpSp>
       <p:sp>
         <p:nvSpPr>
           <p:cNvPr id="6" name="Slide Number Placeholder 5"/>
@@ -1051,10 +1488,19 @@
             <p:ph type="sldNum" sz="quarter" idx="12"/>
           </p:nvPr>
         </p:nvSpPr>
-        <p:spPr/>
-        <p:txBody>
-          <a:bodyPr/>
-          <a:lstStyle/>
+        <p:spPr>
+          <a:xfrm>
+            <a:off x="843702" y="2506133"/>
+            <a:ext cx="1188298" cy="720332"/>
+          </a:xfrm>
+        </p:spPr>
+        <p:txBody>
+          <a:bodyPr/>
+          <a:lstStyle>
+            <a:lvl1pPr>
+              <a:defRPr sz="2800"/>
+            </a:lvl1pPr>
+          </a:lstStyle>
           <a:p>
             <a:fld id="{902B11E2-AAE8-437D-8428-3C8A4F180F71}" type="slidenum">
               <a:rPr lang="en-GB" smtClean="0"/>
@@ -1067,7 +1513,7 @@
     </p:spTree>
     <p:extLst>
       <p:ext uri="{BB962C8B-B14F-4D97-AF65-F5344CB8AC3E}">
-        <p14:creationId xmlns:p14="http://schemas.microsoft.com/office/powerpoint/2010/main" val="3128559742"/>
+        <p14:creationId xmlns:p14="http://schemas.microsoft.com/office/powerpoint/2010/main" val="499116595"/>
       </p:ext>
     </p:extLst>
   </p:cSld>
@@ -1113,7 +1559,7 @@
               <a:rPr lang="en-US" smtClean="0"/>
               <a:t>Click to edit Master title style</a:t>
             </a:r>
-            <a:endParaRPr lang="en-GB"/>
+            <a:endParaRPr lang="en-US" dirty="0"/>
           </a:p>
         </p:txBody>
       </p:sp>
@@ -1129,13 +1575,41 @@
         </p:nvSpPr>
         <p:spPr>
           <a:xfrm>
-            <a:off x="838200" y="1825625"/>
-            <a:ext cx="5181600" cy="4351338"/>
+            <a:off x="1069848" y="2194560"/>
+            <a:ext cx="4754880" cy="3977640"/>
           </a:xfrm>
         </p:spPr>
         <p:txBody>
           <a:bodyPr/>
-          <a:lstStyle/>
+          <a:lstStyle>
+            <a:lvl1pPr>
+              <a:defRPr sz="2000"/>
+            </a:lvl1pPr>
+            <a:lvl2pPr>
+              <a:defRPr sz="1800"/>
+            </a:lvl2pPr>
+            <a:lvl3pPr>
+              <a:defRPr sz="1600"/>
+            </a:lvl3pPr>
+            <a:lvl4pPr>
+              <a:defRPr sz="1600"/>
+            </a:lvl4pPr>
+            <a:lvl5pPr>
+              <a:defRPr sz="1600"/>
+            </a:lvl5pPr>
+            <a:lvl6pPr>
+              <a:defRPr sz="1600"/>
+            </a:lvl6pPr>
+            <a:lvl7pPr>
+              <a:defRPr sz="1600"/>
+            </a:lvl7pPr>
+            <a:lvl8pPr>
+              <a:defRPr sz="1600"/>
+            </a:lvl8pPr>
+            <a:lvl9pPr>
+              <a:defRPr sz="1600"/>
+            </a:lvl9pPr>
+          </a:lstStyle>
           <a:p>
             <a:pPr lvl="0"/>
             <a:r>
@@ -1170,7 +1644,7 @@
               <a:rPr lang="en-US" smtClean="0"/>
               <a:t>Fifth level</a:t>
             </a:r>
-            <a:endParaRPr lang="en-GB"/>
+            <a:endParaRPr lang="en-US" dirty="0"/>
           </a:p>
         </p:txBody>
       </p:sp>
@@ -1186,13 +1660,41 @@
         </p:nvSpPr>
         <p:spPr>
           <a:xfrm>
-            <a:off x="6172200" y="1825625"/>
-            <a:ext cx="5181600" cy="4351338"/>
+            <a:off x="6364224" y="2194560"/>
+            <a:ext cx="4754880" cy="3977640"/>
           </a:xfrm>
         </p:spPr>
         <p:txBody>
           <a:bodyPr/>
-          <a:lstStyle/>
+          <a:lstStyle>
+            <a:lvl1pPr>
+              <a:defRPr sz="2000"/>
+            </a:lvl1pPr>
+            <a:lvl2pPr>
+              <a:defRPr sz="1800"/>
+            </a:lvl2pPr>
+            <a:lvl3pPr>
+              <a:defRPr sz="1600"/>
+            </a:lvl3pPr>
+            <a:lvl4pPr>
+              <a:defRPr sz="1600"/>
+            </a:lvl4pPr>
+            <a:lvl5pPr>
+              <a:defRPr sz="1600"/>
+            </a:lvl5pPr>
+            <a:lvl6pPr>
+              <a:defRPr sz="1600"/>
+            </a:lvl6pPr>
+            <a:lvl7pPr>
+              <a:defRPr sz="1600"/>
+            </a:lvl7pPr>
+            <a:lvl8pPr>
+              <a:defRPr sz="1600"/>
+            </a:lvl8pPr>
+            <a:lvl9pPr>
+              <a:defRPr sz="1600"/>
+            </a:lvl9pPr>
+          </a:lstStyle>
           <a:p>
             <a:pPr lvl="0"/>
             <a:r>
@@ -1227,7 +1729,7 @@
               <a:rPr lang="en-US" smtClean="0"/>
               <a:t>Fifth level</a:t>
             </a:r>
-            <a:endParaRPr lang="en-GB"/>
+            <a:endParaRPr lang="en-US" dirty="0"/>
           </a:p>
         </p:txBody>
       </p:sp>
@@ -1299,7 +1801,7 @@
     </p:spTree>
     <p:extLst>
       <p:ext uri="{BB962C8B-B14F-4D97-AF65-F5344CB8AC3E}">
-        <p14:creationId xmlns:p14="http://schemas.microsoft.com/office/powerpoint/2010/main" val="3087835840"/>
+        <p14:creationId xmlns:p14="http://schemas.microsoft.com/office/powerpoint/2010/main" val="1666385155"/>
       </p:ext>
     </p:extLst>
   </p:cSld>
@@ -1328,54 +1830,57 @@
       </p:grpSpPr>
       <p:sp>
         <p:nvSpPr>
-          <p:cNvPr id="2" name="Title 1"/>
+          <p:cNvPr id="10" name="Title 9"/>
           <p:cNvSpPr>
             <a:spLocks noGrp="1"/>
           </p:cNvSpPr>
           <p:nvPr>
             <p:ph type="title"/>
+          </p:nvPr>
+        </p:nvSpPr>
+        <p:spPr/>
+        <p:txBody>
+          <a:bodyPr/>
+          <a:lstStyle/>
+          <a:p>
+            <a:r>
+              <a:rPr lang="en-US" smtClean="0"/>
+              <a:t>Click to edit Master title style</a:t>
+            </a:r>
+            <a:endParaRPr lang="en-US" dirty="0"/>
+          </a:p>
+        </p:txBody>
+      </p:sp>
+      <p:sp>
+        <p:nvSpPr>
+          <p:cNvPr id="3" name="Text Placeholder 2"/>
+          <p:cNvSpPr>
+            <a:spLocks noGrp="1"/>
+          </p:cNvSpPr>
+          <p:nvPr>
+            <p:ph type="body" idx="1"/>
           </p:nvPr>
         </p:nvSpPr>
         <p:spPr>
           <a:xfrm>
-            <a:off x="839788" y="365125"/>
-            <a:ext cx="10515600" cy="1325563"/>
+            <a:off x="1066800" y="2048256"/>
+            <a:ext cx="4754880" cy="640080"/>
           </a:xfrm>
         </p:spPr>
         <p:txBody>
-          <a:bodyPr/>
-          <a:lstStyle/>
-          <a:p>
-            <a:r>
-              <a:rPr lang="en-US" smtClean="0"/>
-              <a:t>Click to edit Master title style</a:t>
-            </a:r>
-            <a:endParaRPr lang="en-GB"/>
-          </a:p>
-        </p:txBody>
-      </p:sp>
-      <p:sp>
-        <p:nvSpPr>
-          <p:cNvPr id="3" name="Text Placeholder 2"/>
-          <p:cNvSpPr>
-            <a:spLocks noGrp="1"/>
-          </p:cNvSpPr>
-          <p:nvPr>
-            <p:ph type="body" idx="1"/>
-          </p:nvPr>
-        </p:nvSpPr>
-        <p:spPr>
-          <a:xfrm>
-            <a:off x="839788" y="1681163"/>
-            <a:ext cx="5157787" cy="823912"/>
-          </a:xfrm>
-        </p:spPr>
-        <p:txBody>
-          <a:bodyPr anchor="b"/>
+          <a:bodyPr anchor="ctr">
+            <a:normAutofit/>
+          </a:bodyPr>
           <a:lstStyle>
             <a:lvl1pPr marL="0" indent="0">
               <a:buNone/>
-              <a:defRPr sz="2400" b="1"/>
+              <a:defRPr sz="2000" b="1">
+                <a:solidFill>
+                  <a:schemeClr val="accent1">
+                    <a:lumMod val="75000"/>
+                  </a:schemeClr>
+                </a:solidFill>
+              </a:defRPr>
             </a:lvl1pPr>
             <a:lvl2pPr marL="457200" indent="0">
               <a:buNone/>
@@ -1431,13 +1936,41 @@
         </p:nvSpPr>
         <p:spPr>
           <a:xfrm>
-            <a:off x="839788" y="2505075"/>
-            <a:ext cx="5157787" cy="3684588"/>
+            <a:off x="1069848" y="2743200"/>
+            <a:ext cx="4754880" cy="3291840"/>
           </a:xfrm>
         </p:spPr>
         <p:txBody>
           <a:bodyPr/>
-          <a:lstStyle/>
+          <a:lstStyle>
+            <a:lvl1pPr>
+              <a:defRPr sz="2000"/>
+            </a:lvl1pPr>
+            <a:lvl2pPr>
+              <a:defRPr sz="1800"/>
+            </a:lvl2pPr>
+            <a:lvl3pPr>
+              <a:defRPr sz="1600"/>
+            </a:lvl3pPr>
+            <a:lvl4pPr>
+              <a:defRPr sz="1600"/>
+            </a:lvl4pPr>
+            <a:lvl5pPr>
+              <a:defRPr sz="1600"/>
+            </a:lvl5pPr>
+            <a:lvl6pPr>
+              <a:defRPr sz="1600"/>
+            </a:lvl6pPr>
+            <a:lvl7pPr>
+              <a:defRPr sz="1600"/>
+            </a:lvl7pPr>
+            <a:lvl8pPr>
+              <a:defRPr sz="1600"/>
+            </a:lvl8pPr>
+            <a:lvl9pPr>
+              <a:defRPr sz="1600"/>
+            </a:lvl9pPr>
+          </a:lstStyle>
           <a:p>
             <a:pPr lvl="0"/>
             <a:r>
@@ -1472,7 +2005,7 @@
               <a:rPr lang="en-US" smtClean="0"/>
               <a:t>Fifth level</a:t>
             </a:r>
-            <a:endParaRPr lang="en-GB"/>
+            <a:endParaRPr lang="en-US" dirty="0"/>
           </a:p>
         </p:txBody>
       </p:sp>
@@ -1488,16 +2021,24 @@
         </p:nvSpPr>
         <p:spPr>
           <a:xfrm>
-            <a:off x="6172200" y="1681163"/>
-            <a:ext cx="5183188" cy="823912"/>
+            <a:off x="6364224" y="2048256"/>
+            <a:ext cx="4754880" cy="640080"/>
           </a:xfrm>
         </p:spPr>
         <p:txBody>
-          <a:bodyPr anchor="b"/>
+          <a:bodyPr anchor="ctr">
+            <a:normAutofit/>
+          </a:bodyPr>
           <a:lstStyle>
             <a:lvl1pPr marL="0" indent="0">
               <a:buNone/>
-              <a:defRPr sz="2400" b="1"/>
+              <a:defRPr sz="2000" b="1">
+                <a:solidFill>
+                  <a:schemeClr val="accent1">
+                    <a:lumMod val="75000"/>
+                  </a:schemeClr>
+                </a:solidFill>
+              </a:defRPr>
             </a:lvl1pPr>
             <a:lvl2pPr marL="457200" indent="0">
               <a:buNone/>
@@ -1553,13 +2094,41 @@
         </p:nvSpPr>
         <p:spPr>
           <a:xfrm>
-            <a:off x="6172200" y="2505075"/>
-            <a:ext cx="5183188" cy="3684588"/>
+            <a:off x="6364224" y="2743200"/>
+            <a:ext cx="4754880" cy="3291840"/>
           </a:xfrm>
         </p:spPr>
         <p:txBody>
           <a:bodyPr/>
-          <a:lstStyle/>
+          <a:lstStyle>
+            <a:lvl1pPr>
+              <a:defRPr sz="2000"/>
+            </a:lvl1pPr>
+            <a:lvl2pPr>
+              <a:defRPr sz="1800"/>
+            </a:lvl2pPr>
+            <a:lvl3pPr>
+              <a:defRPr sz="1600"/>
+            </a:lvl3pPr>
+            <a:lvl4pPr>
+              <a:defRPr sz="1600"/>
+            </a:lvl4pPr>
+            <a:lvl5pPr>
+              <a:defRPr sz="1600"/>
+            </a:lvl5pPr>
+            <a:lvl6pPr>
+              <a:defRPr sz="1600"/>
+            </a:lvl6pPr>
+            <a:lvl7pPr>
+              <a:defRPr sz="1600"/>
+            </a:lvl7pPr>
+            <a:lvl8pPr>
+              <a:defRPr sz="1600"/>
+            </a:lvl8pPr>
+            <a:lvl9pPr>
+              <a:defRPr sz="1600"/>
+            </a:lvl9pPr>
+          </a:lstStyle>
           <a:p>
             <a:pPr lvl="0"/>
             <a:r>
@@ -1594,7 +2163,7 @@
               <a:rPr lang="en-US" smtClean="0"/>
               <a:t>Fifth level</a:t>
             </a:r>
-            <a:endParaRPr lang="en-GB"/>
+            <a:endParaRPr lang="en-US" dirty="0"/>
           </a:p>
         </p:txBody>
       </p:sp>
@@ -1666,7 +2235,7 @@
     </p:spTree>
     <p:extLst>
       <p:ext uri="{BB962C8B-B14F-4D97-AF65-F5344CB8AC3E}">
-        <p14:creationId xmlns:p14="http://schemas.microsoft.com/office/powerpoint/2010/main" val="3292373550"/>
+        <p14:creationId xmlns:p14="http://schemas.microsoft.com/office/powerpoint/2010/main" val="373123017"/>
       </p:ext>
     </p:extLst>
   </p:cSld>
@@ -1695,7 +2264,7 @@
       </p:grpSpPr>
       <p:sp>
         <p:nvSpPr>
-          <p:cNvPr id="2" name="Title 1"/>
+          <p:cNvPr id="6" name="Title 5"/>
           <p:cNvSpPr>
             <a:spLocks noGrp="1"/>
           </p:cNvSpPr>
@@ -1712,7 +2281,7 @@
               <a:rPr lang="en-US" smtClean="0"/>
               <a:t>Click to edit Master title style</a:t>
             </a:r>
-            <a:endParaRPr lang="en-GB"/>
+            <a:endParaRPr lang="en-US" dirty="0"/>
           </a:p>
         </p:txBody>
       </p:sp>
@@ -1784,7 +2353,7 @@
     </p:spTree>
     <p:extLst>
       <p:ext uri="{BB962C8B-B14F-4D97-AF65-F5344CB8AC3E}">
-        <p14:creationId xmlns:p14="http://schemas.microsoft.com/office/powerpoint/2010/main" val="2268496427"/>
+        <p14:creationId xmlns:p14="http://schemas.microsoft.com/office/powerpoint/2010/main" val="2567748866"/>
       </p:ext>
     </p:extLst>
   </p:cSld>
@@ -1879,7 +2448,7 @@
     </p:spTree>
     <p:extLst>
       <p:ext uri="{BB962C8B-B14F-4D97-AF65-F5344CB8AC3E}">
-        <p14:creationId xmlns:p14="http://schemas.microsoft.com/office/powerpoint/2010/main" val="4014332786"/>
+        <p14:creationId xmlns:p14="http://schemas.microsoft.com/office/powerpoint/2010/main" val="1547097456"/>
       </p:ext>
     </p:extLst>
   </p:cSld>
@@ -1890,7 +2459,7 @@
 </file>
 
 <file path=ppt/slideLayouts/slideLayout8.xml><?xml version="1.0" encoding="utf-8"?>
-<p:sldLayout xmlns:a="http://schemas.openxmlformats.org/drawingml/2006/main" xmlns:r="http://schemas.openxmlformats.org/officeDocument/2006/relationships" xmlns:p="http://schemas.openxmlformats.org/presentationml/2006/main" type="objTx" preserve="1">
+<p:sldLayout xmlns:a="http://schemas.openxmlformats.org/drawingml/2006/main" xmlns:r="http://schemas.openxmlformats.org/officeDocument/2006/relationships" xmlns:p="http://schemas.openxmlformats.org/presentationml/2006/main" showMasterSp="0" type="objTx" preserve="1">
   <p:cSld name="Content with Caption">
     <p:spTree>
       <p:nvGrpSpPr>
@@ -1908,25 +2477,84 @@
       </p:grpSpPr>
       <p:sp>
         <p:nvSpPr>
-          <p:cNvPr id="2" name="Title 1"/>
-          <p:cNvSpPr>
-            <a:spLocks noGrp="1"/>
-          </p:cNvSpPr>
-          <p:nvPr>
-            <p:ph type="title"/>
-          </p:nvPr>
+          <p:cNvPr id="8" name="Rectangle 7"/>
+          <p:cNvSpPr/>
+          <p:nvPr/>
         </p:nvSpPr>
         <p:spPr>
           <a:xfrm>
-            <a:off x="839788" y="457200"/>
-            <a:ext cx="3932237" cy="1600200"/>
+            <a:off x="8303740" y="0"/>
+            <a:ext cx="3888259" cy="6857999"/>
+          </a:xfrm>
+          <a:prstGeom prst="rect">
+            <a:avLst/>
+          </a:prstGeom>
+          <a:blipFill dpi="0" rotWithShape="1">
+            <a:blip r:embed="rId2">
+              <a:alphaModFix amt="60000"/>
+              <a:lum bright="70000" contrast="-70000"/>
+              <a:extLst>
+                <a:ext uri="{BEBA8EAE-BF5A-486C-A8C5-ECC9F3942E4B}">
+                  <a14:imgProps xmlns:a14="http://schemas.microsoft.com/office/drawing/2010/main">
+                    <a14:imgLayer r:embed="rId3">
+                      <a14:imgEffect>
+                        <a14:sharpenSoften amount="61000"/>
+                      </a14:imgEffect>
+                    </a14:imgLayer>
+                  </a14:imgProps>
+                </a:ext>
+                <a:ext uri="{28A0092B-C50C-407E-A947-70E740481C1C}">
+                  <a14:useLocalDpi xmlns:a14="http://schemas.microsoft.com/office/drawing/2010/main" val="0"/>
+                </a:ext>
+              </a:extLst>
+            </a:blip>
+            <a:srcRect/>
+            <a:tile tx="0" ty="-704850" sx="92000" sy="89000" flip="xy" algn="ctr"/>
+          </a:blipFill>
+          <a:ln>
+            <a:noFill/>
+          </a:ln>
+        </p:spPr>
+        <p:style>
+          <a:lnRef idx="2">
+            <a:schemeClr val="accent1">
+              <a:shade val="50000"/>
+            </a:schemeClr>
+          </a:lnRef>
+          <a:fillRef idx="1">
+            <a:schemeClr val="accent1"/>
+          </a:fillRef>
+          <a:effectRef idx="0">
+            <a:schemeClr val="accent1"/>
+          </a:effectRef>
+          <a:fontRef idx="minor">
+            <a:schemeClr val="lt1"/>
+          </a:fontRef>
+        </p:style>
+      </p:sp>
+      <p:sp>
+        <p:nvSpPr>
+          <p:cNvPr id="2" name="Title 1"/>
+          <p:cNvSpPr>
+            <a:spLocks noGrp="1"/>
+          </p:cNvSpPr>
+          <p:nvPr>
+            <p:ph type="title"/>
+          </p:nvPr>
+        </p:nvSpPr>
+        <p:spPr>
+          <a:xfrm>
+            <a:off x="8549640" y="685800"/>
+            <a:ext cx="3200400" cy="1737360"/>
           </a:xfrm>
         </p:spPr>
         <p:txBody>
-          <a:bodyPr anchor="b"/>
+          <a:bodyPr anchor="b">
+            <a:normAutofit/>
+          </a:bodyPr>
           <a:lstStyle>
             <a:lvl1pPr>
-              <a:defRPr sz="3200"/>
+              <a:defRPr sz="3200" b="1"/>
             </a:lvl1pPr>
           </a:lstStyle>
           <a:p>
@@ -1934,7 +2562,7 @@
               <a:rPr lang="en-US" smtClean="0"/>
               <a:t>Click to edit Master title style</a:t>
             </a:r>
-            <a:endParaRPr lang="en-GB"/>
+            <a:endParaRPr lang="en-US" dirty="0"/>
           </a:p>
         </p:txBody>
       </p:sp>
@@ -1950,39 +2578,39 @@
         </p:nvSpPr>
         <p:spPr>
           <a:xfrm>
-            <a:off x="5183188" y="987425"/>
-            <a:ext cx="6172200" cy="4873625"/>
+            <a:off x="838200" y="685800"/>
+            <a:ext cx="6711696" cy="5020056"/>
           </a:xfrm>
         </p:spPr>
         <p:txBody>
           <a:bodyPr/>
           <a:lstStyle>
             <a:lvl1pPr>
-              <a:defRPr sz="3200"/>
+              <a:defRPr sz="2000"/>
             </a:lvl1pPr>
             <a:lvl2pPr>
-              <a:defRPr sz="2800"/>
+              <a:defRPr sz="1800"/>
             </a:lvl2pPr>
             <a:lvl3pPr>
-              <a:defRPr sz="2400"/>
+              <a:defRPr sz="1600"/>
             </a:lvl3pPr>
             <a:lvl4pPr>
-              <a:defRPr sz="2000"/>
+              <a:defRPr sz="1600"/>
             </a:lvl4pPr>
             <a:lvl5pPr>
-              <a:defRPr sz="2000"/>
+              <a:defRPr sz="1600"/>
             </a:lvl5pPr>
             <a:lvl6pPr>
-              <a:defRPr sz="2000"/>
+              <a:defRPr sz="1600"/>
             </a:lvl6pPr>
             <a:lvl7pPr>
-              <a:defRPr sz="2000"/>
+              <a:defRPr sz="1600"/>
             </a:lvl7pPr>
             <a:lvl8pPr>
-              <a:defRPr sz="2000"/>
+              <a:defRPr sz="1600"/>
             </a:lvl8pPr>
             <a:lvl9pPr>
-              <a:defRPr sz="2000"/>
+              <a:defRPr sz="1600"/>
             </a:lvl9pPr>
           </a:lstStyle>
           <a:p>
@@ -2019,7 +2647,7 @@
               <a:rPr lang="en-US" smtClean="0"/>
               <a:t>Fifth level</a:t>
             </a:r>
-            <a:endParaRPr lang="en-GB"/>
+            <a:endParaRPr lang="en-US" dirty="0"/>
           </a:p>
         </p:txBody>
       </p:sp>
@@ -2035,48 +2663,62 @@
         </p:nvSpPr>
         <p:spPr>
           <a:xfrm>
-            <a:off x="839788" y="2057400"/>
-            <a:ext cx="3932237" cy="3811588"/>
+            <a:off x="8549640" y="2423160"/>
+            <a:ext cx="3200400" cy="3291840"/>
           </a:xfrm>
         </p:spPr>
         <p:txBody>
-          <a:bodyPr/>
+          <a:bodyPr>
+            <a:normAutofit/>
+          </a:bodyPr>
           <a:lstStyle>
             <a:lvl1pPr marL="0" indent="0">
-              <a:buNone/>
-              <a:defRPr sz="1600"/>
+              <a:lnSpc>
+                <a:spcPct val="100000"/>
+              </a:lnSpc>
+              <a:spcBef>
+                <a:spcPts val="1000"/>
+              </a:spcBef>
+              <a:buNone/>
+              <a:defRPr sz="1400">
+                <a:solidFill>
+                  <a:schemeClr val="accent1">
+                    <a:lumMod val="75000"/>
+                  </a:schemeClr>
+                </a:solidFill>
+              </a:defRPr>
             </a:lvl1pPr>
             <a:lvl2pPr marL="457200" indent="0">
               <a:buNone/>
-              <a:defRPr sz="1400"/>
+              <a:defRPr sz="1200"/>
             </a:lvl2pPr>
             <a:lvl3pPr marL="914400" indent="0">
               <a:buNone/>
-              <a:defRPr sz="1200"/>
+              <a:defRPr sz="1000"/>
             </a:lvl3pPr>
             <a:lvl4pPr marL="1371600" indent="0">
               <a:buNone/>
-              <a:defRPr sz="1000"/>
+              <a:defRPr sz="900"/>
             </a:lvl4pPr>
             <a:lvl5pPr marL="1828800" indent="0">
               <a:buNone/>
-              <a:defRPr sz="1000"/>
+              <a:defRPr sz="900"/>
             </a:lvl5pPr>
             <a:lvl6pPr marL="2286000" indent="0">
               <a:buNone/>
-              <a:defRPr sz="1000"/>
+              <a:defRPr sz="900"/>
             </a:lvl6pPr>
             <a:lvl7pPr marL="2743200" indent="0">
               <a:buNone/>
-              <a:defRPr sz="1000"/>
+              <a:defRPr sz="900"/>
             </a:lvl7pPr>
             <a:lvl8pPr marL="3200400" indent="0">
               <a:buNone/>
-              <a:defRPr sz="1000"/>
+              <a:defRPr sz="900"/>
             </a:lvl8pPr>
             <a:lvl9pPr marL="3657600" indent="0">
               <a:buNone/>
-              <a:defRPr sz="1000"/>
+              <a:defRPr sz="900"/>
             </a:lvl9pPr>
           </a:lstStyle>
           <a:p>
@@ -2130,6 +2772,95 @@
           </a:p>
         </p:txBody>
       </p:sp>
+      <p:grpSp>
+        <p:nvGrpSpPr>
+          <p:cNvPr id="9" name="Group 8"/>
+          <p:cNvGrpSpPr>
+            <a:grpSpLocks noChangeAspect="1"/>
+          </p:cNvGrpSpPr>
+          <p:nvPr/>
+        </p:nvGrpSpPr>
+        <p:grpSpPr>
+          <a:xfrm>
+            <a:off x="11401725" y="6229681"/>
+            <a:ext cx="457200" cy="457200"/>
+            <a:chOff x="11361456" y="6195813"/>
+            <a:chExt cx="548640" cy="548640"/>
+          </a:xfrm>
+        </p:grpSpPr>
+        <p:sp>
+          <p:nvSpPr>
+            <p:cNvPr id="10" name="Oval 9"/>
+            <p:cNvSpPr/>
+            <p:nvPr/>
+          </p:nvSpPr>
+          <p:spPr>
+            <a:xfrm>
+              <a:off x="11361456" y="6195813"/>
+              <a:ext cx="548640" cy="548640"/>
+            </a:xfrm>
+            <a:prstGeom prst="ellipse">
+              <a:avLst/>
+            </a:prstGeom>
+            <a:blipFill dpi="0" rotWithShape="1">
+              <a:blip r:embed="rId4">
+                <a:duotone>
+                  <a:schemeClr val="accent1">
+                    <a:shade val="45000"/>
+                    <a:satMod val="135000"/>
+                  </a:schemeClr>
+                  <a:prstClr val="white"/>
+                </a:duotone>
+                <a:extLst>
+                  <a:ext uri="{BEBA8EAE-BF5A-486C-A8C5-ECC9F3942E4B}">
+                    <a14:imgProps xmlns:a14="http://schemas.microsoft.com/office/drawing/2010/main">
+                      <a14:imgLayer r:embed="rId5">
+                        <a14:imgEffect>
+                          <a14:saturation sat="95000"/>
+                        </a14:imgEffect>
+                        <a14:imgEffect>
+                          <a14:brightnessContrast bright="-40000" contrast="20000"/>
+                        </a14:imgEffect>
+                      </a14:imgLayer>
+                    </a14:imgProps>
+                  </a:ext>
+                </a:extLst>
+              </a:blip>
+              <a:srcRect/>
+              <a:tile tx="50800" ty="0" sx="85000" sy="85000" flip="none" algn="tl"/>
+            </a:blipFill>
+            <a:ln w="25400" cap="flat" cmpd="sng" algn="ctr">
+              <a:noFill/>
+              <a:prstDash val="solid"/>
+            </a:ln>
+            <a:effectLst/>
+          </p:spPr>
+        </p:sp>
+        <p:sp>
+          <p:nvSpPr>
+            <p:cNvPr id="11" name="Oval 10"/>
+            <p:cNvSpPr/>
+            <p:nvPr/>
+          </p:nvSpPr>
+          <p:spPr>
+            <a:xfrm>
+              <a:off x="11396488" y="6230844"/>
+              <a:ext cx="478576" cy="478578"/>
+            </a:xfrm>
+            <a:prstGeom prst="ellipse">
+              <a:avLst/>
+            </a:prstGeom>
+            <a:noFill/>
+            <a:ln w="12700" cap="flat" cmpd="sng" algn="ctr">
+              <a:solidFill>
+                <a:sysClr val="window" lastClr="FFFFFF"/>
+              </a:solidFill>
+              <a:prstDash val="solid"/>
+            </a:ln>
+            <a:effectLst/>
+          </p:spPr>
+        </p:sp>
+      </p:grpSp>
       <p:sp>
         <p:nvSpPr>
           <p:cNvPr id="7" name="Slide Number Placeholder 6"/>
@@ -2156,7 +2887,7 @@
     </p:spTree>
     <p:extLst>
       <p:ext uri="{BB962C8B-B14F-4D97-AF65-F5344CB8AC3E}">
-        <p14:creationId xmlns:p14="http://schemas.microsoft.com/office/powerpoint/2010/main" val="543576759"/>
+        <p14:creationId xmlns:p14="http://schemas.microsoft.com/office/powerpoint/2010/main" val="3513929029"/>
       </p:ext>
     </p:extLst>
   </p:cSld>
@@ -2167,7 +2898,7 @@
 </file>
 
 <file path=ppt/slideLayouts/slideLayout9.xml><?xml version="1.0" encoding="utf-8"?>
-<p:sldLayout xmlns:a="http://schemas.openxmlformats.org/drawingml/2006/main" xmlns:r="http://schemas.openxmlformats.org/officeDocument/2006/relationships" xmlns:p="http://schemas.openxmlformats.org/presentationml/2006/main" type="picTx" preserve="1">
+<p:sldLayout xmlns:a="http://schemas.openxmlformats.org/drawingml/2006/main" xmlns:r="http://schemas.openxmlformats.org/officeDocument/2006/relationships" xmlns:p="http://schemas.openxmlformats.org/presentationml/2006/main" showMasterSp="0" type="picTx" preserve="1">
   <p:cSld name="Picture with Caption">
     <p:spTree>
       <p:nvGrpSpPr>
@@ -2185,25 +2916,84 @@
       </p:grpSpPr>
       <p:sp>
         <p:nvSpPr>
-          <p:cNvPr id="2" name="Title 1"/>
-          <p:cNvSpPr>
-            <a:spLocks noGrp="1"/>
-          </p:cNvSpPr>
-          <p:nvPr>
-            <p:ph type="title"/>
-          </p:nvPr>
+          <p:cNvPr id="11" name="Rectangle 10"/>
+          <p:cNvSpPr/>
+          <p:nvPr/>
         </p:nvSpPr>
         <p:spPr>
           <a:xfrm>
-            <a:off x="839788" y="457200"/>
-            <a:ext cx="3932237" cy="1600200"/>
+            <a:off x="8303740" y="0"/>
+            <a:ext cx="3888259" cy="6857999"/>
+          </a:xfrm>
+          <a:prstGeom prst="rect">
+            <a:avLst/>
+          </a:prstGeom>
+          <a:blipFill dpi="0" rotWithShape="1">
+            <a:blip r:embed="rId2">
+              <a:alphaModFix amt="60000"/>
+              <a:lum bright="70000" contrast="-70000"/>
+              <a:extLst>
+                <a:ext uri="{BEBA8EAE-BF5A-486C-A8C5-ECC9F3942E4B}">
+                  <a14:imgProps xmlns:a14="http://schemas.microsoft.com/office/drawing/2010/main">
+                    <a14:imgLayer r:embed="rId3">
+                      <a14:imgEffect>
+                        <a14:sharpenSoften amount="61000"/>
+                      </a14:imgEffect>
+                    </a14:imgLayer>
+                  </a14:imgProps>
+                </a:ext>
+                <a:ext uri="{28A0092B-C50C-407E-A947-70E740481C1C}">
+                  <a14:useLocalDpi xmlns:a14="http://schemas.microsoft.com/office/drawing/2010/main" val="0"/>
+                </a:ext>
+              </a:extLst>
+            </a:blip>
+            <a:srcRect/>
+            <a:tile tx="0" ty="-704850" sx="92000" sy="89000" flip="xy" algn="ctr"/>
+          </a:blipFill>
+          <a:ln>
+            <a:noFill/>
+          </a:ln>
+        </p:spPr>
+        <p:style>
+          <a:lnRef idx="2">
+            <a:schemeClr val="accent1">
+              <a:shade val="50000"/>
+            </a:schemeClr>
+          </a:lnRef>
+          <a:fillRef idx="1">
+            <a:schemeClr val="accent1"/>
+          </a:fillRef>
+          <a:effectRef idx="0">
+            <a:schemeClr val="accent1"/>
+          </a:effectRef>
+          <a:fontRef idx="minor">
+            <a:schemeClr val="lt1"/>
+          </a:fontRef>
+        </p:style>
+      </p:sp>
+      <p:sp>
+        <p:nvSpPr>
+          <p:cNvPr id="2" name="Title 1"/>
+          <p:cNvSpPr>
+            <a:spLocks noGrp="1"/>
+          </p:cNvSpPr>
+          <p:nvPr>
+            <p:ph type="title"/>
+          </p:nvPr>
+        </p:nvSpPr>
+        <p:spPr>
+          <a:xfrm>
+            <a:off x="8549640" y="685800"/>
+            <a:ext cx="3200400" cy="1737360"/>
           </a:xfrm>
         </p:spPr>
         <p:txBody>
-          <a:bodyPr anchor="b"/>
+          <a:bodyPr anchor="b">
+            <a:normAutofit/>
+          </a:bodyPr>
           <a:lstStyle>
             <a:lvl1pPr>
-              <a:defRPr sz="3200"/>
+              <a:defRPr sz="3200" b="1"/>
             </a:lvl1pPr>
           </a:lstStyle>
           <a:p>
@@ -2211,7 +3001,7 @@
               <a:rPr lang="en-US" smtClean="0"/>
               <a:t>Click to edit Master title style</a:t>
             </a:r>
-            <a:endParaRPr lang="en-GB"/>
+            <a:endParaRPr lang="en-US" dirty="0"/>
           </a:p>
         </p:txBody>
       </p:sp>
@@ -2219,7 +3009,7 @@
         <p:nvSpPr>
           <p:cNvPr id="3" name="Picture Placeholder 2"/>
           <p:cNvSpPr>
-            <a:spLocks noGrp="1"/>
+            <a:spLocks noGrp="1" noChangeAspect="1"/>
           </p:cNvSpPr>
           <p:nvPr>
             <p:ph type="pic" idx="1"/>
@@ -2227,12 +3017,18 @@
         </p:nvSpPr>
         <p:spPr>
           <a:xfrm>
-            <a:off x="5183188" y="987425"/>
-            <a:ext cx="6172200" cy="4873625"/>
+            <a:off x="0" y="0"/>
+            <a:ext cx="8303740" cy="6858000"/>
           </a:xfrm>
+          <a:solidFill>
+            <a:schemeClr val="tx2">
+              <a:lumMod val="20000"/>
+              <a:lumOff val="80000"/>
+            </a:schemeClr>
+          </a:solidFill>
         </p:spPr>
         <p:txBody>
-          <a:bodyPr/>
+          <a:bodyPr anchor="t"/>
           <a:lstStyle>
             <a:lvl1pPr marL="0" indent="0">
               <a:buNone/>
@@ -2272,7 +3068,11 @@
             </a:lvl9pPr>
           </a:lstStyle>
           <a:p>
-            <a:endParaRPr lang="en-GB"/>
+            <a:r>
+              <a:rPr lang="en-US" smtClean="0"/>
+              <a:t>Click icon to add picture</a:t>
+            </a:r>
+            <a:endParaRPr lang="en-US" dirty="0"/>
           </a:p>
         </p:txBody>
       </p:sp>
@@ -2288,48 +3088,62 @@
         </p:nvSpPr>
         <p:spPr>
           <a:xfrm>
-            <a:off x="839788" y="2057400"/>
-            <a:ext cx="3932237" cy="3811588"/>
+            <a:off x="8549640" y="2423160"/>
+            <a:ext cx="3200400" cy="3291840"/>
           </a:xfrm>
         </p:spPr>
         <p:txBody>
-          <a:bodyPr/>
+          <a:bodyPr>
+            <a:normAutofit/>
+          </a:bodyPr>
           <a:lstStyle>
             <a:lvl1pPr marL="0" indent="0">
-              <a:buNone/>
-              <a:defRPr sz="1600"/>
+              <a:lnSpc>
+                <a:spcPct val="100000"/>
+              </a:lnSpc>
+              <a:spcBef>
+                <a:spcPts val="1000"/>
+              </a:spcBef>
+              <a:buNone/>
+              <a:defRPr sz="1400">
+                <a:solidFill>
+                  <a:schemeClr val="accent1">
+                    <a:lumMod val="75000"/>
+                  </a:schemeClr>
+                </a:solidFill>
+              </a:defRPr>
             </a:lvl1pPr>
             <a:lvl2pPr marL="457200" indent="0">
               <a:buNone/>
-              <a:defRPr sz="1400"/>
+              <a:defRPr sz="1200"/>
             </a:lvl2pPr>
             <a:lvl3pPr marL="914400" indent="0">
               <a:buNone/>
-              <a:defRPr sz="1200"/>
+              <a:defRPr sz="1000"/>
             </a:lvl3pPr>
             <a:lvl4pPr marL="1371600" indent="0">
               <a:buNone/>
-              <a:defRPr sz="1000"/>
+              <a:defRPr sz="900"/>
             </a:lvl4pPr>
             <a:lvl5pPr marL="1828800" indent="0">
               <a:buNone/>
-              <a:defRPr sz="1000"/>
+              <a:defRPr sz="900"/>
             </a:lvl5pPr>
             <a:lvl6pPr marL="2286000" indent="0">
               <a:buNone/>
-              <a:defRPr sz="1000"/>
+              <a:defRPr sz="900"/>
             </a:lvl6pPr>
             <a:lvl7pPr marL="2743200" indent="0">
               <a:buNone/>
-              <a:defRPr sz="1000"/>
+              <a:defRPr sz="900"/>
             </a:lvl7pPr>
             <a:lvl8pPr marL="3200400" indent="0">
               <a:buNone/>
-              <a:defRPr sz="1000"/>
+              <a:defRPr sz="900"/>
             </a:lvl8pPr>
             <a:lvl9pPr marL="3657600" indent="0">
               <a:buNone/>
-              <a:defRPr sz="1000"/>
+              <a:defRPr sz="900"/>
             </a:lvl9pPr>
           </a:lstStyle>
           <a:p>
@@ -2364,25 +3178,95 @@
           </a:p>
         </p:txBody>
       </p:sp>
-      <p:sp>
-        <p:nvSpPr>
-          <p:cNvPr id="6" name="Footer Placeholder 5"/>
-          <p:cNvSpPr>
-            <a:spLocks noGrp="1"/>
-          </p:cNvSpPr>
-          <p:nvPr>
-            <p:ph type="ftr" sz="quarter" idx="11"/>
-          </p:nvPr>
-        </p:nvSpPr>
-        <p:spPr/>
-        <p:txBody>
-          <a:bodyPr/>
-          <a:lstStyle/>
-          <a:p>
-            <a:endParaRPr lang="en-GB"/>
-          </a:p>
-        </p:txBody>
-      </p:sp>
+      <p:grpSp>
+        <p:nvGrpSpPr>
+          <p:cNvPr id="8" name="Group 7"/>
+          <p:cNvGrpSpPr>
+            <a:grpSpLocks noChangeAspect="1"/>
+          </p:cNvGrpSpPr>
+          <p:nvPr/>
+        </p:nvGrpSpPr>
+        <p:grpSpPr>
+          <a:xfrm>
+            <a:off x="11401725" y="6229681"/>
+            <a:ext cx="457200" cy="457200"/>
+            <a:chOff x="11361456" y="6195813"/>
+            <a:chExt cx="548640" cy="548640"/>
+          </a:xfrm>
+        </p:grpSpPr>
+        <p:sp>
+          <p:nvSpPr>
+            <p:cNvPr id="9" name="Oval 8"/>
+            <p:cNvSpPr/>
+            <p:nvPr/>
+          </p:nvSpPr>
+          <p:spPr>
+            <a:xfrm>
+              <a:off x="11361456" y="6195813"/>
+              <a:ext cx="548640" cy="548640"/>
+            </a:xfrm>
+            <a:prstGeom prst="ellipse">
+              <a:avLst/>
+            </a:prstGeom>
+            <a:blipFill dpi="0" rotWithShape="1">
+              <a:blip r:embed="rId4">
+                <a:duotone>
+                  <a:schemeClr val="accent1">
+                    <a:shade val="45000"/>
+                    <a:satMod val="135000"/>
+                  </a:schemeClr>
+                  <a:prstClr val="white"/>
+                </a:duotone>
+                <a:extLst>
+                  <a:ext uri="{BEBA8EAE-BF5A-486C-A8C5-ECC9F3942E4B}">
+                    <a14:imgProps xmlns:a14="http://schemas.microsoft.com/office/drawing/2010/main">
+                      <a14:imgLayer r:embed="rId5">
+                        <a14:imgEffect>
+                          <a14:saturation sat="95000"/>
+                        </a14:imgEffect>
+                        <a14:imgEffect>
+                          <a14:brightnessContrast bright="-40000" contrast="20000"/>
+                        </a14:imgEffect>
+                      </a14:imgLayer>
+                    </a14:imgProps>
+                  </a:ext>
+                </a:extLst>
+              </a:blip>
+              <a:srcRect/>
+              <a:tile tx="50800" ty="0" sx="85000" sy="85000" flip="none" algn="tl"/>
+            </a:blipFill>
+            <a:ln w="25400" cap="flat" cmpd="sng" algn="ctr">
+              <a:noFill/>
+              <a:prstDash val="solid"/>
+            </a:ln>
+            <a:effectLst/>
+          </p:spPr>
+        </p:sp>
+        <p:sp>
+          <p:nvSpPr>
+            <p:cNvPr id="10" name="Oval 9"/>
+            <p:cNvSpPr/>
+            <p:nvPr/>
+          </p:nvSpPr>
+          <p:spPr>
+            <a:xfrm>
+              <a:off x="11396488" y="6230844"/>
+              <a:ext cx="478576" cy="478578"/>
+            </a:xfrm>
+            <a:prstGeom prst="ellipse">
+              <a:avLst/>
+            </a:prstGeom>
+            <a:noFill/>
+            <a:ln w="12700" cap="flat" cmpd="sng" algn="ctr">
+              <a:solidFill>
+                <a:sysClr val="window" lastClr="FFFFFF"/>
+              </a:solidFill>
+              <a:prstDash val="solid"/>
+            </a:ln>
+            <a:effectLst/>
+          </p:spPr>
+        </p:sp>
+      </p:grpSp>
       <p:sp>
         <p:nvSpPr>
           <p:cNvPr id="7" name="Slide Number Placeholder 6"/>
@@ -2409,7 +3293,7 @@
     </p:spTree>
     <p:extLst>
       <p:ext uri="{BB962C8B-B14F-4D97-AF65-F5344CB8AC3E}">
-        <p14:creationId xmlns:p14="http://schemas.microsoft.com/office/powerpoint/2010/main" val="3478994649"/>
+        <p14:creationId xmlns:p14="http://schemas.microsoft.com/office/powerpoint/2010/main" val="2153010154"/>
       </p:ext>
     </p:extLst>
   </p:cSld>
@@ -2453,8 +3337,8 @@
         </p:nvSpPr>
         <p:spPr>
           <a:xfrm>
-            <a:off x="838200" y="365125"/>
-            <a:ext cx="10515600" cy="1325563"/>
+            <a:off x="1069848" y="484632"/>
+            <a:ext cx="10058400" cy="1609344"/>
           </a:xfrm>
           <a:prstGeom prst="rect">
             <a:avLst/>
@@ -2470,7 +3354,7 @@
               <a:rPr lang="en-US" smtClean="0"/>
               <a:t>Click to edit Master title style</a:t>
             </a:r>
-            <a:endParaRPr lang="en-GB"/>
+            <a:endParaRPr lang="en-US" dirty="0"/>
           </a:p>
         </p:txBody>
       </p:sp>
@@ -2486,8 +3370,8 @@
         </p:nvSpPr>
         <p:spPr>
           <a:xfrm>
-            <a:off x="838200" y="1825625"/>
-            <a:ext cx="10515600" cy="4351338"/>
+            <a:off x="1069848" y="2121408"/>
+            <a:ext cx="10058400" cy="4050792"/>
           </a:xfrm>
           <a:prstGeom prst="rect">
             <a:avLst/>
@@ -2532,7 +3416,7 @@
               <a:rPr lang="en-US" smtClean="0"/>
               <a:t>Fifth level</a:t>
             </a:r>
-            <a:endParaRPr lang="en-GB"/>
+            <a:endParaRPr lang="en-US" dirty="0"/>
           </a:p>
         </p:txBody>
       </p:sp>
@@ -2548,8 +3432,8 @@
         </p:nvSpPr>
         <p:spPr>
           <a:xfrm>
-            <a:off x="838200" y="6356350"/>
-            <a:ext cx="2743200" cy="365125"/>
+            <a:off x="7964424" y="6272784"/>
+            <a:ext cx="3273552" cy="365125"/>
           </a:xfrm>
           <a:prstGeom prst="rect">
             <a:avLst/>
@@ -2558,12 +3442,10 @@
         <p:txBody>
           <a:bodyPr vert="horz" lIns="91440" tIns="45720" rIns="91440" bIns="45720" rtlCol="0" anchor="ctr"/>
           <a:lstStyle>
-            <a:lvl1pPr algn="l">
-              <a:defRPr sz="1200">
+            <a:lvl1pPr algn="r">
+              <a:defRPr sz="1100">
                 <a:solidFill>
-                  <a:schemeClr val="tx1">
-                    <a:tint val="75000"/>
-                  </a:schemeClr>
+                  <a:schemeClr val="tx2"/>
                 </a:solidFill>
               </a:defRPr>
             </a:lvl1pPr>
@@ -2589,8 +3471,8 @@
         </p:nvSpPr>
         <p:spPr>
           <a:xfrm>
-            <a:off x="4038600" y="6356350"/>
-            <a:ext cx="4114800" cy="365125"/>
+            <a:off x="1088136" y="6272784"/>
+            <a:ext cx="6327648" cy="365125"/>
           </a:xfrm>
           <a:prstGeom prst="rect">
             <a:avLst/>
@@ -2599,12 +3481,10 @@
         <p:txBody>
           <a:bodyPr vert="horz" lIns="91440" tIns="45720" rIns="91440" bIns="45720" rtlCol="0" anchor="ctr"/>
           <a:lstStyle>
-            <a:lvl1pPr algn="ctr">
-              <a:defRPr sz="1200">
+            <a:lvl1pPr algn="l">
+              <a:defRPr sz="1100">
                 <a:solidFill>
-                  <a:schemeClr val="tx1">
-                    <a:tint val="75000"/>
-                  </a:schemeClr>
+                  <a:schemeClr val="tx2"/>
                 </a:solidFill>
               </a:defRPr>
             </a:lvl1pPr>
@@ -2614,6 +3494,95 @@
           </a:p>
         </p:txBody>
       </p:sp>
+      <p:grpSp>
+        <p:nvGrpSpPr>
+          <p:cNvPr id="7" name="Group 6"/>
+          <p:cNvGrpSpPr>
+            <a:grpSpLocks noChangeAspect="1"/>
+          </p:cNvGrpSpPr>
+          <p:nvPr/>
+        </p:nvGrpSpPr>
+        <p:grpSpPr>
+          <a:xfrm>
+            <a:off x="11401725" y="6229681"/>
+            <a:ext cx="457200" cy="457200"/>
+            <a:chOff x="11361456" y="6195813"/>
+            <a:chExt cx="548640" cy="548640"/>
+          </a:xfrm>
+        </p:grpSpPr>
+        <p:sp>
+          <p:nvSpPr>
+            <p:cNvPr id="8" name="Oval 7"/>
+            <p:cNvSpPr/>
+            <p:nvPr/>
+          </p:nvSpPr>
+          <p:spPr>
+            <a:xfrm>
+              <a:off x="11361456" y="6195813"/>
+              <a:ext cx="548640" cy="548640"/>
+            </a:xfrm>
+            <a:prstGeom prst="ellipse">
+              <a:avLst/>
+            </a:prstGeom>
+            <a:blipFill dpi="0" rotWithShape="1">
+              <a:blip r:embed="rId13">
+                <a:duotone>
+                  <a:schemeClr val="accent1">
+                    <a:shade val="45000"/>
+                    <a:satMod val="135000"/>
+                  </a:schemeClr>
+                  <a:prstClr val="white"/>
+                </a:duotone>
+                <a:extLst>
+                  <a:ext uri="{BEBA8EAE-BF5A-486C-A8C5-ECC9F3942E4B}">
+                    <a14:imgProps xmlns:a14="http://schemas.microsoft.com/office/drawing/2010/main">
+                      <a14:imgLayer r:embed="rId14">
+                        <a14:imgEffect>
+                          <a14:saturation sat="95000"/>
+                        </a14:imgEffect>
+                        <a14:imgEffect>
+                          <a14:brightnessContrast bright="-40000" contrast="20000"/>
+                        </a14:imgEffect>
+                      </a14:imgLayer>
+                    </a14:imgProps>
+                  </a:ext>
+                </a:extLst>
+              </a:blip>
+              <a:srcRect/>
+              <a:tile tx="50800" ty="0" sx="85000" sy="85000" flip="none" algn="tl"/>
+            </a:blipFill>
+            <a:ln w="25400" cap="flat" cmpd="sng" algn="ctr">
+              <a:noFill/>
+              <a:prstDash val="solid"/>
+            </a:ln>
+            <a:effectLst/>
+          </p:spPr>
+        </p:sp>
+        <p:sp>
+          <p:nvSpPr>
+            <p:cNvPr id="9" name="Oval 8"/>
+            <p:cNvSpPr/>
+            <p:nvPr/>
+          </p:nvSpPr>
+          <p:spPr>
+            <a:xfrm>
+              <a:off x="11396488" y="6230844"/>
+              <a:ext cx="478576" cy="478578"/>
+            </a:xfrm>
+            <a:prstGeom prst="ellipse">
+              <a:avLst/>
+            </a:prstGeom>
+            <a:noFill/>
+            <a:ln w="12700" cap="flat" cmpd="sng" algn="ctr">
+              <a:solidFill>
+                <a:srgbClr val="FFFFFF"/>
+              </a:solidFill>
+              <a:prstDash val="solid"/>
+            </a:ln>
+            <a:effectLst/>
+          </p:spPr>
+        </p:sp>
+      </p:grpSp>
       <p:sp>
         <p:nvSpPr>
           <p:cNvPr id="6" name="Slide Number Placeholder 5"/>
@@ -2626,8 +3595,8 @@
         </p:nvSpPr>
         <p:spPr>
           <a:xfrm>
-            <a:off x="8610600" y="6356350"/>
-            <a:ext cx="2743200" cy="365125"/>
+            <a:off x="11311128" y="6272784"/>
+            <a:ext cx="640080" cy="365125"/>
           </a:xfrm>
           <a:prstGeom prst="rect">
             <a:avLst/>
@@ -2636,13 +3605,12 @@
         <p:txBody>
           <a:bodyPr vert="horz" lIns="91440" tIns="45720" rIns="91440" bIns="45720" rtlCol="0" anchor="ctr"/>
           <a:lstStyle>
-            <a:lvl1pPr algn="r">
-              <a:defRPr sz="1200">
+            <a:lvl1pPr algn="ctr">
+              <a:defRPr sz="1400" b="1">
                 <a:solidFill>
-                  <a:schemeClr val="tx1">
-                    <a:tint val="75000"/>
-                  </a:schemeClr>
+                  <a:srgbClr val="FFFFFF"/>
                 </a:solidFill>
+                <a:latin typeface="+mj-lt"/>
               </a:defRPr>
             </a:lvl1pPr>
           </a:lstStyle>
@@ -2658,23 +3626,23 @@
     </p:spTree>
     <p:extLst>
       <p:ext uri="{BB962C8B-B14F-4D97-AF65-F5344CB8AC3E}">
-        <p14:creationId xmlns:p14="http://schemas.microsoft.com/office/powerpoint/2010/main" val="828768329"/>
+        <p14:creationId xmlns:p14="http://schemas.microsoft.com/office/powerpoint/2010/main" val="1152737604"/>
       </p:ext>
     </p:extLst>
   </p:cSld>
   <p:clrMap bg1="lt1" tx1="dk1" bg2="lt2" tx2="dk2" accent1="accent1" accent2="accent2" accent3="accent3" accent4="accent4" accent5="accent5" accent6="accent6" hlink="hlink" folHlink="folHlink"/>
   <p:sldLayoutIdLst>
-    <p:sldLayoutId id="2147483649" r:id="rId1"/>
-    <p:sldLayoutId id="2147483650" r:id="rId2"/>
-    <p:sldLayoutId id="2147483651" r:id="rId3"/>
-    <p:sldLayoutId id="2147483652" r:id="rId4"/>
-    <p:sldLayoutId id="2147483653" r:id="rId5"/>
-    <p:sldLayoutId id="2147483654" r:id="rId6"/>
-    <p:sldLayoutId id="2147483655" r:id="rId7"/>
-    <p:sldLayoutId id="2147483656" r:id="rId8"/>
-    <p:sldLayoutId id="2147483657" r:id="rId9"/>
-    <p:sldLayoutId id="2147483658" r:id="rId10"/>
-    <p:sldLayoutId id="2147483659" r:id="rId11"/>
+    <p:sldLayoutId id="2147483697" r:id="rId1"/>
+    <p:sldLayoutId id="2147483698" r:id="rId2"/>
+    <p:sldLayoutId id="2147483699" r:id="rId3"/>
+    <p:sldLayoutId id="2147483700" r:id="rId4"/>
+    <p:sldLayoutId id="2147483701" r:id="rId5"/>
+    <p:sldLayoutId id="2147483702" r:id="rId6"/>
+    <p:sldLayoutId id="2147483703" r:id="rId7"/>
+    <p:sldLayoutId id="2147483704" r:id="rId8"/>
+    <p:sldLayoutId id="2147483705" r:id="rId9"/>
+    <p:sldLayoutId id="2147483706" r:id="rId10"/>
+    <p:sldLayoutId id="2147483707" r:id="rId11"/>
   </p:sldLayoutIdLst>
   <p:txStyles>
     <p:titleStyle>
@@ -2686,10 +3654,17 @@
           <a:spcPct val="0"/>
         </a:spcBef>
         <a:buNone/>
-        <a:defRPr sz="4400" kern="1200">
-          <a:solidFill>
-            <a:schemeClr val="tx1"/>
-          </a:solidFill>
+        <a:defRPr sz="5400" kern="1200" cap="all" baseline="0">
+          <a:blipFill>
+            <a:blip r:embed="rId15">
+              <a:extLst>
+                <a:ext uri="{28A0092B-C50C-407E-A947-70E740481C1C}">
+                  <a14:useLocalDpi xmlns:a14="http://schemas.microsoft.com/office/drawing/2010/main" val="0"/>
+                </a:ext>
+              </a:extLst>
+            </a:blip>
+            <a:tile tx="6350" ty="-127000" sx="65000" sy="64000" flip="none" algn="tl"/>
+          </a:blipFill>
           <a:latin typeface="+mj-lt"/>
           <a:ea typeface="+mj-ea"/>
           <a:cs typeface="+mj-cs"/>
@@ -2697,16 +3672,22 @@
       </a:lvl1pPr>
     </p:titleStyle>
     <p:bodyStyle>
-      <a:lvl1pPr marL="228600" indent="-228600" algn="l" defTabSz="914400" rtl="0" eaLnBrk="1" latinLnBrk="0" hangingPunct="1">
+      <a:lvl1pPr marL="182880" indent="-182880" algn="l" defTabSz="914400" rtl="0" eaLnBrk="1" latinLnBrk="0" hangingPunct="1">
         <a:lnSpc>
           <a:spcPct val="90000"/>
         </a:lnSpc>
         <a:spcBef>
-          <a:spcPts val="1000"/>
+          <a:spcPts val="1200"/>
         </a:spcBef>
-        <a:buFont typeface="Arial" panose="020B0604020202020204" pitchFamily="34" charset="0"/>
-        <a:buChar char="•"/>
-        <a:defRPr sz="2800" kern="1200">
+        <a:buClr>
+          <a:schemeClr val="accent1">
+            <a:lumMod val="75000"/>
+          </a:schemeClr>
+        </a:buClr>
+        <a:buSzPct val="85000"/>
+        <a:buFont typeface="Wingdings" pitchFamily="2" charset="2"/>
+        <a:buChar char="§"/>
+        <a:defRPr sz="2000" kern="1200">
           <a:solidFill>
             <a:schemeClr val="tx1"/>
           </a:solidFill>
@@ -2715,16 +3696,25 @@
           <a:cs typeface="+mn-cs"/>
         </a:defRPr>
       </a:lvl1pPr>
-      <a:lvl2pPr marL="685800" indent="-228600" algn="l" defTabSz="914400" rtl="0" eaLnBrk="1" latinLnBrk="0" hangingPunct="1">
+      <a:lvl2pPr marL="457200" indent="-182880" algn="l" defTabSz="914400" rtl="0" eaLnBrk="1" latinLnBrk="0" hangingPunct="1">
         <a:lnSpc>
           <a:spcPct val="90000"/>
         </a:lnSpc>
         <a:spcBef>
-          <a:spcPts val="500"/>
+          <a:spcPts val="400"/>
         </a:spcBef>
-        <a:buFont typeface="Arial" panose="020B0604020202020204" pitchFamily="34" charset="0"/>
-        <a:buChar char="•"/>
-        <a:defRPr sz="2400" kern="1200">
+        <a:spcAft>
+          <a:spcPts val="200"/>
+        </a:spcAft>
+        <a:buClr>
+          <a:schemeClr val="accent1">
+            <a:lumMod val="75000"/>
+          </a:schemeClr>
+        </a:buClr>
+        <a:buSzPct val="85000"/>
+        <a:buFont typeface="Wingdings" pitchFamily="2" charset="2"/>
+        <a:buChar char="§"/>
+        <a:defRPr sz="1800" kern="1200">
           <a:solidFill>
             <a:schemeClr val="tx1"/>
           </a:solidFill>
@@ -2733,16 +3723,25 @@
           <a:cs typeface="+mn-cs"/>
         </a:defRPr>
       </a:lvl2pPr>
-      <a:lvl3pPr marL="1143000" indent="-228600" algn="l" defTabSz="914400" rtl="0" eaLnBrk="1" latinLnBrk="0" hangingPunct="1">
+      <a:lvl3pPr marL="731520" indent="-182880" algn="l" defTabSz="914400" rtl="0" eaLnBrk="1" latinLnBrk="0" hangingPunct="1">
         <a:lnSpc>
           <a:spcPct val="90000"/>
         </a:lnSpc>
         <a:spcBef>
-          <a:spcPts val="500"/>
+          <a:spcPts val="400"/>
         </a:spcBef>
-        <a:buFont typeface="Arial" panose="020B0604020202020204" pitchFamily="34" charset="0"/>
-        <a:buChar char="•"/>
-        <a:defRPr sz="2000" kern="1200">
+        <a:spcAft>
+          <a:spcPts val="200"/>
+        </a:spcAft>
+        <a:buClr>
+          <a:schemeClr val="accent1">
+            <a:lumMod val="75000"/>
+          </a:schemeClr>
+        </a:buClr>
+        <a:buSzPct val="85000"/>
+        <a:buFont typeface="Wingdings" pitchFamily="2" charset="2"/>
+        <a:buChar char="§"/>
+        <a:defRPr sz="1600" kern="1200">
           <a:solidFill>
             <a:schemeClr val="tx1"/>
           </a:solidFill>
@@ -2751,16 +3750,25 @@
           <a:cs typeface="+mn-cs"/>
         </a:defRPr>
       </a:lvl3pPr>
-      <a:lvl4pPr marL="1600200" indent="-228600" algn="l" defTabSz="914400" rtl="0" eaLnBrk="1" latinLnBrk="0" hangingPunct="1">
+      <a:lvl4pPr marL="1005840" indent="-182880" algn="l" defTabSz="914400" rtl="0" eaLnBrk="1" latinLnBrk="0" hangingPunct="1">
         <a:lnSpc>
           <a:spcPct val="90000"/>
         </a:lnSpc>
         <a:spcBef>
-          <a:spcPts val="500"/>
+          <a:spcPts val="400"/>
         </a:spcBef>
-        <a:buFont typeface="Arial" panose="020B0604020202020204" pitchFamily="34" charset="0"/>
-        <a:buChar char="•"/>
-        <a:defRPr sz="1800" kern="1200">
+        <a:spcAft>
+          <a:spcPts val="200"/>
+        </a:spcAft>
+        <a:buClr>
+          <a:schemeClr val="accent1">
+            <a:lumMod val="75000"/>
+          </a:schemeClr>
+        </a:buClr>
+        <a:buSzPct val="85000"/>
+        <a:buFont typeface="Wingdings" pitchFamily="2" charset="2"/>
+        <a:buChar char="§"/>
+        <a:defRPr sz="1600" kern="1200">
           <a:solidFill>
             <a:schemeClr val="tx1"/>
           </a:solidFill>
@@ -2769,16 +3777,25 @@
           <a:cs typeface="+mn-cs"/>
         </a:defRPr>
       </a:lvl4pPr>
-      <a:lvl5pPr marL="2057400" indent="-228600" algn="l" defTabSz="914400" rtl="0" eaLnBrk="1" latinLnBrk="0" hangingPunct="1">
+      <a:lvl5pPr marL="1280160" indent="-182880" algn="l" defTabSz="914400" rtl="0" eaLnBrk="1" latinLnBrk="0" hangingPunct="1">
         <a:lnSpc>
           <a:spcPct val="90000"/>
         </a:lnSpc>
         <a:spcBef>
-          <a:spcPts val="500"/>
+          <a:spcPts val="400"/>
         </a:spcBef>
-        <a:buFont typeface="Arial" panose="020B0604020202020204" pitchFamily="34" charset="0"/>
-        <a:buChar char="•"/>
-        <a:defRPr sz="1800" kern="1200">
+        <a:spcAft>
+          <a:spcPts val="200"/>
+        </a:spcAft>
+        <a:buClr>
+          <a:schemeClr val="accent1">
+            <a:lumMod val="75000"/>
+          </a:schemeClr>
+        </a:buClr>
+        <a:buSzPct val="85000"/>
+        <a:buFont typeface="Wingdings" pitchFamily="2" charset="2"/>
+        <a:buChar char="§"/>
+        <a:defRPr sz="1600" kern="1200">
           <a:solidFill>
             <a:schemeClr val="tx1"/>
           </a:solidFill>
@@ -2787,16 +3804,25 @@
           <a:cs typeface="+mn-cs"/>
         </a:defRPr>
       </a:lvl5pPr>
-      <a:lvl6pPr marL="2514600" indent="-228600" algn="l" defTabSz="914400" rtl="0" eaLnBrk="1" latinLnBrk="0" hangingPunct="1">
+      <a:lvl6pPr marL="1600000" indent="-228600" algn="l" defTabSz="914400" rtl="0" eaLnBrk="1" latinLnBrk="0" hangingPunct="1">
         <a:lnSpc>
           <a:spcPct val="90000"/>
         </a:lnSpc>
         <a:spcBef>
-          <a:spcPts val="500"/>
+          <a:spcPts val="400"/>
         </a:spcBef>
-        <a:buFont typeface="Arial" panose="020B0604020202020204" pitchFamily="34" charset="0"/>
-        <a:buChar char="•"/>
-        <a:defRPr sz="1800" kern="1200">
+        <a:spcAft>
+          <a:spcPts val="200"/>
+        </a:spcAft>
+        <a:buClr>
+          <a:schemeClr val="accent1">
+            <a:lumMod val="75000"/>
+          </a:schemeClr>
+        </a:buClr>
+        <a:buSzPct val="85000"/>
+        <a:buFont typeface="Wingdings" pitchFamily="2" charset="2"/>
+        <a:buChar char="§"/>
+        <a:defRPr sz="1600" kern="1200">
           <a:solidFill>
             <a:schemeClr val="tx1"/>
           </a:solidFill>
@@ -2805,16 +3831,25 @@
           <a:cs typeface="+mn-cs"/>
         </a:defRPr>
       </a:lvl6pPr>
-      <a:lvl7pPr marL="2971800" indent="-228600" algn="l" defTabSz="914400" rtl="0" eaLnBrk="1" latinLnBrk="0" hangingPunct="1">
+      <a:lvl7pPr marL="1900000" indent="-228600" algn="l" defTabSz="914400" rtl="0" eaLnBrk="1" latinLnBrk="0" hangingPunct="1">
         <a:lnSpc>
           <a:spcPct val="90000"/>
         </a:lnSpc>
         <a:spcBef>
-          <a:spcPts val="500"/>
+          <a:spcPts val="400"/>
         </a:spcBef>
-        <a:buFont typeface="Arial" panose="020B0604020202020204" pitchFamily="34" charset="0"/>
-        <a:buChar char="•"/>
-        <a:defRPr sz="1800" kern="1200">
+        <a:spcAft>
+          <a:spcPts val="200"/>
+        </a:spcAft>
+        <a:buClr>
+          <a:schemeClr val="accent1">
+            <a:lumMod val="75000"/>
+          </a:schemeClr>
+        </a:buClr>
+        <a:buSzPct val="85000"/>
+        <a:buFont typeface="Wingdings" pitchFamily="2" charset="2"/>
+        <a:buChar char="§"/>
+        <a:defRPr sz="1600" kern="1200">
           <a:solidFill>
             <a:schemeClr val="tx1"/>
           </a:solidFill>
@@ -2823,16 +3858,25 @@
           <a:cs typeface="+mn-cs"/>
         </a:defRPr>
       </a:lvl7pPr>
-      <a:lvl8pPr marL="3429000" indent="-228600" algn="l" defTabSz="914400" rtl="0" eaLnBrk="1" latinLnBrk="0" hangingPunct="1">
+      <a:lvl8pPr marL="2200000" indent="-228600" algn="l" defTabSz="914400" rtl="0" eaLnBrk="1" latinLnBrk="0" hangingPunct="1">
         <a:lnSpc>
           <a:spcPct val="90000"/>
         </a:lnSpc>
         <a:spcBef>
-          <a:spcPts val="500"/>
+          <a:spcPts val="400"/>
         </a:spcBef>
-        <a:buFont typeface="Arial" panose="020B0604020202020204" pitchFamily="34" charset="0"/>
-        <a:buChar char="•"/>
-        <a:defRPr sz="1800" kern="1200">
+        <a:spcAft>
+          <a:spcPts val="200"/>
+        </a:spcAft>
+        <a:buClr>
+          <a:schemeClr val="accent1">
+            <a:lumMod val="75000"/>
+          </a:schemeClr>
+        </a:buClr>
+        <a:buSzPct val="85000"/>
+        <a:buFont typeface="Wingdings" pitchFamily="2" charset="2"/>
+        <a:buChar char="§"/>
+        <a:defRPr sz="1600" kern="1200">
           <a:solidFill>
             <a:schemeClr val="tx1"/>
           </a:solidFill>
@@ -2841,16 +3885,25 @@
           <a:cs typeface="+mn-cs"/>
         </a:defRPr>
       </a:lvl8pPr>
-      <a:lvl9pPr marL="3886200" indent="-228600" algn="l" defTabSz="914400" rtl="0" eaLnBrk="1" latinLnBrk="0" hangingPunct="1">
+      <a:lvl9pPr marL="2500000" indent="-228600" algn="l" defTabSz="914400" rtl="0" eaLnBrk="1" latinLnBrk="0" hangingPunct="1">
         <a:lnSpc>
           <a:spcPct val="90000"/>
         </a:lnSpc>
         <a:spcBef>
-          <a:spcPts val="500"/>
+          <a:spcPts val="400"/>
         </a:spcBef>
-        <a:buFont typeface="Arial" panose="020B0604020202020204" pitchFamily="34" charset="0"/>
-        <a:buChar char="•"/>
-        <a:defRPr sz="1800" kern="1200">
+        <a:spcAft>
+          <a:spcPts val="200"/>
+        </a:spcAft>
+        <a:buClr>
+          <a:schemeClr val="accent1">
+            <a:lumMod val="75000"/>
+          </a:schemeClr>
+        </a:buClr>
+        <a:buSzPct val="85000"/>
+        <a:buFont typeface="Wingdings" pitchFamily="2" charset="2"/>
+        <a:buChar char="§"/>
+        <a:defRPr sz="1600" kern="1200">
           <a:solidFill>
             <a:schemeClr val="tx1"/>
           </a:solidFill>
@@ -3044,7 +4097,7 @@
         </p:blipFill>
         <p:spPr>
           <a:xfrm>
-            <a:off x="-112295" y="-63166"/>
+            <a:off x="-117108" y="0"/>
             <a:ext cx="12304296" cy="6921165"/>
           </a:xfrm>
           <a:prstGeom prst="rect">
@@ -3425,7 +4478,7 @@
           <a:p>
             <a:pPr lvl="1"/>
             <a:r>
-              <a:rPr lang="en-GB" smtClean="0"/>
+              <a:rPr lang="en-GB" dirty="0" smtClean="0"/>
               <a:t>Testing</a:t>
             </a:r>
             <a:endParaRPr lang="en-GB" dirty="0"/>
@@ -3472,38 +4525,50 @@
             <p:ph type="title"/>
           </p:nvPr>
         </p:nvSpPr>
-        <p:spPr/>
-        <p:txBody>
-          <a:bodyPr/>
-          <a:lstStyle/>
-          <a:p>
-            <a:r>
-              <a:rPr lang="en-GB" dirty="0" smtClean="0"/>
+        <p:spPr>
+          <a:xfrm>
+            <a:off x="123363" y="179832"/>
+            <a:ext cx="11291386" cy="856137"/>
+          </a:xfrm>
+        </p:spPr>
+        <p:txBody>
+          <a:bodyPr>
+            <a:noAutofit/>
+          </a:bodyPr>
+          <a:lstStyle/>
+          <a:p>
+            <a:r>
+              <a:rPr lang="en-GB" sz="4800" dirty="0" smtClean="0"/>
               <a:t>Class Diagram</a:t>
             </a:r>
-            <a:endParaRPr lang="en-GB" dirty="0"/>
-          </a:p>
-        </p:txBody>
-      </p:sp>
-      <p:sp>
-        <p:nvSpPr>
-          <p:cNvPr id="3" name="Content Placeholder 2"/>
-          <p:cNvSpPr>
-            <a:spLocks noGrp="1"/>
-          </p:cNvSpPr>
-          <p:nvPr>
-            <p:ph idx="1"/>
-          </p:nvPr>
-        </p:nvSpPr>
-        <p:spPr/>
-        <p:txBody>
-          <a:bodyPr/>
-          <a:lstStyle/>
-          <a:p>
-            <a:endParaRPr lang="en-GB"/>
-          </a:p>
-        </p:txBody>
-      </p:sp>
+            <a:endParaRPr lang="en-GB" sz="4800" dirty="0"/>
+          </a:p>
+        </p:txBody>
+      </p:sp>
+      <p:pic>
+        <p:nvPicPr>
+          <p:cNvPr id="4" name="Picture 3"/>
+          <p:cNvPicPr>
+            <a:picLocks noChangeAspect="1"/>
+          </p:cNvPicPr>
+          <p:nvPr/>
+        </p:nvPicPr>
+        <p:blipFill>
+          <a:blip r:embed="rId2"/>
+          <a:stretch>
+            <a:fillRect/>
+          </a:stretch>
+        </p:blipFill>
+        <p:spPr>
+          <a:xfrm>
+            <a:off x="318124" y="1035969"/>
+            <a:ext cx="11096625" cy="5267325"/>
+          </a:xfrm>
+          <a:prstGeom prst="rect">
+            <a:avLst/>
+          </a:prstGeom>
+        </p:spPr>
+      </p:pic>
     </p:spTree>
     <p:extLst>
       <p:ext uri="{BB962C8B-B14F-4D97-AF65-F5344CB8AC3E}">
@@ -3651,8 +4716,8 @@
         </p:blipFill>
         <p:spPr>
           <a:xfrm>
-            <a:off x="278329" y="3887299"/>
-            <a:ext cx="4781332" cy="2689499"/>
+            <a:off x="399033" y="1840573"/>
+            <a:ext cx="4310500" cy="2424656"/>
           </a:xfrm>
           <a:prstGeom prst="rect">
             <a:avLst/>
@@ -3681,8 +4746,8 @@
         </p:blipFill>
         <p:spPr>
           <a:xfrm>
-            <a:off x="7097009" y="3836981"/>
-            <a:ext cx="4870785" cy="2739817"/>
+            <a:off x="4156081" y="4295436"/>
+            <a:ext cx="4391144" cy="2470019"/>
           </a:xfrm>
           <a:prstGeom prst="rect">
             <a:avLst/>
@@ -3711,8 +4776,8 @@
         </p:blipFill>
         <p:spPr>
           <a:xfrm>
-            <a:off x="7097009" y="365125"/>
-            <a:ext cx="4870785" cy="2739816"/>
+            <a:off x="7744709" y="1795211"/>
+            <a:ext cx="4391144" cy="2470018"/>
           </a:xfrm>
           <a:prstGeom prst="rect">
             <a:avLst/>
@@ -3787,7 +4852,7 @@
           <a:bodyPr/>
           <a:lstStyle/>
           <a:p>
-            <a:endParaRPr lang="en-GB"/>
+            <a:endParaRPr lang="en-GB" dirty="0"/>
           </a:p>
         </p:txBody>
       </p:sp>
@@ -3877,9 +4942,9 @@
 </file>
 
 <file path=ppt/theme/theme1.xml><?xml version="1.0" encoding="utf-8"?>
-<a:theme xmlns:a="http://schemas.openxmlformats.org/drawingml/2006/main" name="Office Theme">
+<a:theme xmlns:a="http://schemas.openxmlformats.org/drawingml/2006/main" name="Wood Type">
   <a:themeElements>
-    <a:clrScheme name="Office">
+    <a:clrScheme name="Wood Type">
       <a:dk1>
         <a:sysClr val="windowText" lastClr="000000"/>
       </a:dk1>
@@ -3887,48 +4952,86 @@
         <a:sysClr val="window" lastClr="FFFFFF"/>
       </a:lt1>
       <a:dk2>
-        <a:srgbClr val="44546A"/>
+        <a:srgbClr val="696464"/>
       </a:dk2>
       <a:lt2>
-        <a:srgbClr val="E7E6E6"/>
+        <a:srgbClr val="E9E5DC"/>
       </a:lt2>
       <a:accent1>
-        <a:srgbClr val="5B9BD5"/>
+        <a:srgbClr val="D34817"/>
       </a:accent1>
       <a:accent2>
-        <a:srgbClr val="ED7D31"/>
+        <a:srgbClr val="9B2D1F"/>
       </a:accent2>
       <a:accent3>
-        <a:srgbClr val="A5A5A5"/>
+        <a:srgbClr val="A28E6A"/>
       </a:accent3>
       <a:accent4>
-        <a:srgbClr val="FFC000"/>
+        <a:srgbClr val="956251"/>
       </a:accent4>
       <a:accent5>
-        <a:srgbClr val="4472C4"/>
+        <a:srgbClr val="918485"/>
       </a:accent5>
       <a:accent6>
-        <a:srgbClr val="70AD47"/>
+        <a:srgbClr val="855D5D"/>
       </a:accent6>
       <a:hlink>
-        <a:srgbClr val="0563C1"/>
+        <a:srgbClr val="CC9900"/>
       </a:hlink>
       <a:folHlink>
-        <a:srgbClr val="954F72"/>
+        <a:srgbClr val="96A9A9"/>
       </a:folHlink>
     </a:clrScheme>
-    <a:fontScheme name="Office">
+    <a:fontScheme name="Wood Type">
       <a:majorFont>
-        <a:latin typeface="Calibri Light" panose="020F0302020204030204"/>
+        <a:latin typeface="Rockwell Condensed" panose="02060603050405020104"/>
         <a:ea typeface=""/>
         <a:cs typeface=""/>
-        <a:font script="Jpan" typeface="游ゴシック Light"/>
-        <a:font script="Hang" typeface="맑은 고딕"/>
-        <a:font script="Hans" typeface="等线 Light"/>
-        <a:font script="Hant" typeface="新細明體"/>
+        <a:font script="Grek" typeface="Cambria"/>
+        <a:font script="Cyrl" typeface="Cambria"/>
+        <a:font script="Jpan" typeface="HG明朝B"/>
+        <a:font script="Hang" typeface="바탕"/>
+        <a:font script="Hans" typeface="方正姚体"/>
+        <a:font script="Hant" typeface="微軟正黑體"/>
         <a:font script="Arab" typeface="Times New Roman"/>
-        <a:font script="Hebr" typeface="Times New Roman"/>
-        <a:font script="Thai" typeface="Angsana New"/>
+        <a:font script="Hebr" typeface="David"/>
+        <a:font script="Thai" typeface="JasmineUPC"/>
+        <a:font script="Ethi" typeface="Nyala"/>
+        <a:font script="Beng" typeface="Vrinda"/>
+        <a:font script="Gujr" typeface="Shruti"/>
+        <a:font script="Khmr" typeface="MoolBoran"/>
+        <a:font script="Knda" typeface="Tunga"/>
+        <a:font script="Guru" typeface="Raavi"/>
+        <a:font script="Cans" typeface="Euphemia"/>
+        <a:font script="Cher" typeface="Plantagenet Cherokee"/>
+        <a:font script="Yiii" typeface="Microsoft Yi Baiti"/>
+        <a:font script="Tibt" typeface="Microsoft Himalaya"/>
+        <a:font script="Thaa" typeface="MV Boli"/>
+        <a:font script="Deva" typeface="Mangal"/>
+        <a:font script="Telu" typeface="Gautami"/>
+        <a:font script="Taml" typeface="Latha"/>
+        <a:font script="Syrc" typeface="Estrangelo Edessa"/>
+        <a:font script="Orya" typeface="Kalinga"/>
+        <a:font script="Mlym" typeface="Kartika"/>
+        <a:font script="Laoo" typeface="DokChampa"/>
+        <a:font script="Sinh" typeface="Iskoola Pota"/>
+        <a:font script="Mong" typeface="Mongolian Baiti"/>
+        <a:font script="Viet" typeface="Arial"/>
+        <a:font script="Uigh" typeface="Microsoft Uighur"/>
+      </a:majorFont>
+      <a:minorFont>
+        <a:latin typeface="Rockwell" panose="02060603020205020403"/>
+        <a:ea typeface=""/>
+        <a:cs typeface=""/>
+        <a:font script="Grek" typeface="Cambria"/>
+        <a:font script="Cyrl" typeface="Cambria"/>
+        <a:font script="Jpan" typeface="HG明朝B"/>
+        <a:font script="Hang" typeface="바탕"/>
+        <a:font script="Hans" typeface="方正姚体"/>
+        <a:font script="Hant" typeface="標楷體"/>
+        <a:font script="Arab" typeface="Times New Roman"/>
+        <a:font script="Hebr" typeface="David"/>
+        <a:font script="Thai" typeface="JasmineUPC"/>
         <a:font script="Ethi" typeface="Nyala"/>
         <a:font script="Beng" typeface="Vrinda"/>
         <a:font script="Gujr" typeface="Shruti"/>
@@ -3951,101 +5054,42 @@
         <a:font script="Mong" typeface="Mongolian Baiti"/>
         <a:font script="Viet" typeface="Times New Roman"/>
         <a:font script="Uigh" typeface="Microsoft Uighur"/>
-        <a:font script="Geor" typeface="Sylfaen"/>
-      </a:majorFont>
-      <a:minorFont>
-        <a:latin typeface="Calibri" panose="020F0502020204030204"/>
-        <a:ea typeface=""/>
-        <a:cs typeface=""/>
-        <a:font script="Jpan" typeface="游ゴシック"/>
-        <a:font script="Hang" typeface="맑은 고딕"/>
-        <a:font script="Hans" typeface="等线"/>
-        <a:font script="Hant" typeface="新細明體"/>
-        <a:font script="Arab" typeface="Arial"/>
-        <a:font script="Hebr" typeface="Arial"/>
-        <a:font script="Thai" typeface="Cordia New"/>
-        <a:font script="Ethi" typeface="Nyala"/>
-        <a:font script="Beng" typeface="Vrinda"/>
-        <a:font script="Gujr" typeface="Shruti"/>
-        <a:font script="Khmr" typeface="DaunPenh"/>
-        <a:font script="Knda" typeface="Tunga"/>
-        <a:font script="Guru" typeface="Raavi"/>
-        <a:font script="Cans" typeface="Euphemia"/>
-        <a:font script="Cher" typeface="Plantagenet Cherokee"/>
-        <a:font script="Yiii" typeface="Microsoft Yi Baiti"/>
-        <a:font script="Tibt" typeface="Microsoft Himalaya"/>
-        <a:font script="Thaa" typeface="MV Boli"/>
-        <a:font script="Deva" typeface="Mangal"/>
-        <a:font script="Telu" typeface="Gautami"/>
-        <a:font script="Taml" typeface="Latha"/>
-        <a:font script="Syrc" typeface="Estrangelo Edessa"/>
-        <a:font script="Orya" typeface="Kalinga"/>
-        <a:font script="Mlym" typeface="Kartika"/>
-        <a:font script="Laoo" typeface="DokChampa"/>
-        <a:font script="Sinh" typeface="Iskoola Pota"/>
-        <a:font script="Mong" typeface="Mongolian Baiti"/>
-        <a:font script="Viet" typeface="Arial"/>
-        <a:font script="Uigh" typeface="Microsoft Uighur"/>
-        <a:font script="Geor" typeface="Sylfaen"/>
       </a:minorFont>
     </a:fontScheme>
-    <a:fmtScheme name="Office">
+    <a:fmtScheme name="Wood Type">
       <a:fillStyleLst>
         <a:solidFill>
           <a:schemeClr val="phClr"/>
         </a:solidFill>
-        <a:gradFill rotWithShape="1">
-          <a:gsLst>
-            <a:gs pos="0">
+        <a:blipFill rotWithShape="1">
+          <a:blip xmlns:r="http://schemas.openxmlformats.org/officeDocument/2006/relationships" r:embed="rId1">
+            <a:duotone>
               <a:schemeClr val="phClr">
-                <a:lumMod val="110000"/>
-                <a:satMod val="105000"/>
-                <a:tint val="67000"/>
+                <a:tint val="70000"/>
+                <a:shade val="63000"/>
               </a:schemeClr>
-            </a:gs>
-            <a:gs pos="50000">
               <a:schemeClr val="phClr">
-                <a:lumMod val="105000"/>
-                <a:satMod val="103000"/>
-                <a:tint val="73000"/>
+                <a:tint val="10000"/>
+                <a:satMod val="150000"/>
               </a:schemeClr>
-            </a:gs>
-            <a:gs pos="100000">
+            </a:duotone>
+          </a:blip>
+          <a:tile tx="0" ty="0" sx="60000" sy="59000" flip="none" algn="tl"/>
+        </a:blipFill>
+        <a:blipFill rotWithShape="1">
+          <a:blip xmlns:r="http://schemas.openxmlformats.org/officeDocument/2006/relationships" r:embed="rId1">
+            <a:duotone>
               <a:schemeClr val="phClr">
-                <a:lumMod val="105000"/>
-                <a:satMod val="109000"/>
-                <a:tint val="81000"/>
+                <a:shade val="36000"/>
+                <a:satMod val="120000"/>
               </a:schemeClr>
-            </a:gs>
-          </a:gsLst>
-          <a:lin ang="5400000" scaled="0"/>
-        </a:gradFill>
-        <a:gradFill rotWithShape="1">
-          <a:gsLst>
-            <a:gs pos="0">
               <a:schemeClr val="phClr">
-                <a:satMod val="103000"/>
-                <a:lumMod val="102000"/>
-                <a:tint val="94000"/>
+                <a:tint val="40000"/>
               </a:schemeClr>
-            </a:gs>
-            <a:gs pos="50000">
-              <a:schemeClr val="phClr">
-                <a:satMod val="110000"/>
-                <a:lumMod val="100000"/>
-                <a:shade val="100000"/>
-              </a:schemeClr>
-            </a:gs>
-            <a:gs pos="100000">
-              <a:schemeClr val="phClr">
-                <a:lumMod val="99000"/>
-                <a:satMod val="120000"/>
-                <a:shade val="78000"/>
-              </a:schemeClr>
-            </a:gs>
-          </a:gsLst>
-          <a:lin ang="5400000" scaled="0"/>
-        </a:gradFill>
+            </a:duotone>
+          </a:blip>
+          <a:tile tx="0" ty="0" sx="60000" sy="59000" flip="none" algn="tl"/>
+        </a:blipFill>
       </a:fillStyleLst>
       <a:lnStyleLst>
         <a:ln w="6350" cap="flat" cmpd="sng" algn="ctr">
@@ -4053,21 +5097,18 @@
             <a:schemeClr val="phClr"/>
           </a:solidFill>
           <a:prstDash val="solid"/>
-          <a:miter lim="800000"/>
         </a:ln>
         <a:ln w="12700" cap="flat" cmpd="sng" algn="ctr">
           <a:solidFill>
             <a:schemeClr val="phClr"/>
           </a:solidFill>
           <a:prstDash val="solid"/>
-          <a:miter lim="800000"/>
         </a:ln>
         <a:ln w="19050" cap="flat" cmpd="sng" algn="ctr">
           <a:solidFill>
             <a:schemeClr val="phClr"/>
           </a:solidFill>
           <a:prstDash val="solid"/>
-          <a:miter lim="800000"/>
         </a:ln>
       </a:lnStyleLst>
       <a:effectStyleLst>
@@ -4075,15 +5116,18 @@
           <a:effectLst/>
         </a:effectStyle>
         <a:effectStyle>
-          <a:effectLst/>
+          <a:effectLst>
+            <a:softEdge rad="12700"/>
+          </a:effectLst>
         </a:effectStyle>
         <a:effectStyle>
           <a:effectLst>
-            <a:outerShdw blurRad="57150" dist="19050" dir="5400000" algn="ctr" rotWithShape="0">
+            <a:outerShdw blurRad="50800" dist="19050" dir="5400000" algn="tl" rotWithShape="0">
               <a:srgbClr val="000000">
-                <a:alpha val="63000"/>
+                <a:alpha val="60000"/>
               </a:srgbClr>
             </a:outerShdw>
+            <a:softEdge rad="12700"/>
           </a:effectLst>
         </a:effectStyle>
       </a:effectStyleLst>
@@ -4093,37 +5137,26 @@
         </a:solidFill>
         <a:solidFill>
           <a:schemeClr val="phClr">
-            <a:tint val="95000"/>
-            <a:satMod val="170000"/>
+            <a:shade val="97000"/>
+            <a:satMod val="150000"/>
           </a:schemeClr>
         </a:solidFill>
-        <a:gradFill rotWithShape="1">
-          <a:gsLst>
-            <a:gs pos="0">
+        <a:blipFill rotWithShape="1">
+          <a:blip xmlns:r="http://schemas.openxmlformats.org/officeDocument/2006/relationships" r:embed="rId1">
+            <a:duotone>
               <a:schemeClr val="phClr">
-                <a:tint val="93000"/>
-                <a:satMod val="150000"/>
-                <a:shade val="98000"/>
-                <a:lumMod val="102000"/>
-              </a:schemeClr>
-            </a:gs>
-            <a:gs pos="50000">
-              <a:schemeClr val="phClr">
-                <a:tint val="98000"/>
-                <a:satMod val="130000"/>
-                <a:shade val="90000"/>
-                <a:lumMod val="103000"/>
-              </a:schemeClr>
-            </a:gs>
-            <a:gs pos="100000">
-              <a:schemeClr val="phClr">
-                <a:shade val="63000"/>
+                <a:tint val="75000"/>
+                <a:shade val="58000"/>
                 <a:satMod val="120000"/>
               </a:schemeClr>
-            </a:gs>
-          </a:gsLst>
-          <a:lin ang="5400000" scaled="0"/>
-        </a:gradFill>
+              <a:schemeClr val="phClr">
+                <a:tint val="50000"/>
+                <a:shade val="96000"/>
+              </a:schemeClr>
+            </a:duotone>
+          </a:blip>
+          <a:tile tx="0" ty="0" sx="100000" sy="100000" flip="none" algn="tl"/>
+        </a:blipFill>
       </a:bgFillStyleLst>
     </a:fmtScheme>
   </a:themeElements>
@@ -4131,7 +5164,7 @@
   <a:extraClrSchemeLst/>
   <a:extLst>
     <a:ext uri="{05A4C25C-085E-4340-85A3-A5531E510DB2}">
-      <thm15:themeFamily xmlns:thm15="http://schemas.microsoft.com/office/thememl/2012/main" name="Office Theme" id="{62F939B6-93AF-4DB8-9C6B-D6C7DFDC589F}" vid="{4A3C46E8-61CC-4603-A589-7422A47A8E4A}"/>
+      <thm15:themeFamily xmlns:thm15="http://schemas.microsoft.com/office/thememl/2012/main" name="Wood Type" id="{7ACABC62-BF99-48CF-A9DC-4DB89C7B13DC}" vid="{142A1326-48AB-42A9-8428-CB14AA30176D}"/>
     </a:ext>
   </a:extLst>
 </a:theme>
